--- a/templates/PowerAgentConf2025_972997_Villanova.pptx
+++ b/templates/PowerAgentConf2025_972997_Villanova.pptx
@@ -2,7 +2,7 @@
 <file path=ppt/presentation.xml><?xml version="1.0" encoding="utf-8"?>
 <p:presentation xmlns:a="http://schemas.openxmlformats.org/drawingml/2006/main" xmlns:r="http://schemas.openxmlformats.org/officeDocument/2006/relationships" xmlns:p="http://schemas.openxmlformats.org/presentationml/2006/main" saveSubsetFonts="1">
   <p:sldMasterIdLst>
-    <p:sldMasterId id="2147483661" r:id="rId4"/>
+    <p:sldMasterId id="2147483678" r:id="rId4"/>
   </p:sldMasterIdLst>
   <p:notesMasterIdLst>
     <p:notesMasterId r:id="rId12"/>
@@ -19,7 +19,7 @@
     <p:sldId id="261" r:id="rId10"/>
     <p:sldId id="262" r:id="rId11"/>
   </p:sldIdLst>
-  <p:sldSz cx="11699875" cy="7019925"/>
+  <p:sldSz cx="12479338" cy="7019925"/>
   <p:notesSz cx="6858000" cy="9144000"/>
   <p:defaultTextStyle>
     <a:defPPr>
@@ -303,7 +303,7 @@
           <a:p>
             <a:fld id="{2C164773-81C5-40F4-B8E1-8D7531CD0702}" type="datetimeFigureOut">
               <a:rPr lang="it-IT" smtClean="0"/>
-              <a:t>09/09/2025</a:t>
+              <a:t>24/09/2025</a:t>
             </a:fld>
             <a:endParaRPr lang="it-IT"/>
           </a:p>
@@ -1042,15 +1042,15 @@
         </p:nvSpPr>
         <p:spPr>
           <a:xfrm>
-            <a:off x="1462485" y="1148863"/>
-            <a:ext cx="8774906" cy="2443974"/>
+            <a:off x="1559917" y="1148863"/>
+            <a:ext cx="9359504" cy="2443974"/>
           </a:xfrm>
         </p:spPr>
         <p:txBody>
           <a:bodyPr anchor="b"/>
           <a:lstStyle>
             <a:lvl1pPr algn="ctr">
-              <a:defRPr sz="5758"/>
+              <a:defRPr sz="6142"/>
             </a:lvl1pPr>
           </a:lstStyle>
           <a:p>
@@ -1074,8 +1074,8 @@
         </p:nvSpPr>
         <p:spPr>
           <a:xfrm>
-            <a:off x="1462485" y="3687086"/>
-            <a:ext cx="8774906" cy="1694856"/>
+            <a:off x="1559917" y="3687086"/>
+            <a:ext cx="9359504" cy="1694856"/>
           </a:xfrm>
         </p:spPr>
         <p:txBody>
@@ -1083,39 +1083,39 @@
           <a:lstStyle>
             <a:lvl1pPr marL="0" indent="0" algn="ctr">
               <a:buNone/>
-              <a:defRPr sz="2303"/>
+              <a:defRPr sz="2457"/>
             </a:lvl1pPr>
-            <a:lvl2pPr marL="438729" indent="0" algn="ctr">
+            <a:lvl2pPr marL="467990" indent="0" algn="ctr">
               <a:buNone/>
-              <a:defRPr sz="1919"/>
+              <a:defRPr sz="2047"/>
             </a:lvl2pPr>
-            <a:lvl3pPr marL="877458" indent="0" algn="ctr">
+            <a:lvl3pPr marL="935980" indent="0" algn="ctr">
               <a:buNone/>
-              <a:defRPr sz="1727"/>
+              <a:defRPr sz="1842"/>
             </a:lvl3pPr>
-            <a:lvl4pPr marL="1316187" indent="0" algn="ctr">
+            <a:lvl4pPr marL="1403970" indent="0" algn="ctr">
               <a:buNone/>
-              <a:defRPr sz="1535"/>
+              <a:defRPr sz="1638"/>
             </a:lvl4pPr>
-            <a:lvl5pPr marL="1754916" indent="0" algn="ctr">
+            <a:lvl5pPr marL="1871960" indent="0" algn="ctr">
               <a:buNone/>
-              <a:defRPr sz="1535"/>
+              <a:defRPr sz="1638"/>
             </a:lvl5pPr>
-            <a:lvl6pPr marL="2193646" indent="0" algn="ctr">
+            <a:lvl6pPr marL="2339950" indent="0" algn="ctr">
               <a:buNone/>
-              <a:defRPr sz="1535"/>
+              <a:defRPr sz="1638"/>
             </a:lvl6pPr>
-            <a:lvl7pPr marL="2632375" indent="0" algn="ctr">
+            <a:lvl7pPr marL="2807940" indent="0" algn="ctr">
               <a:buNone/>
-              <a:defRPr sz="1535"/>
+              <a:defRPr sz="1638"/>
             </a:lvl7pPr>
-            <a:lvl8pPr marL="3071104" indent="0" algn="ctr">
+            <a:lvl8pPr marL="3275929" indent="0" algn="ctr">
               <a:buNone/>
-              <a:defRPr sz="1535"/>
+              <a:defRPr sz="1638"/>
             </a:lvl8pPr>
-            <a:lvl9pPr marL="3509833" indent="0" algn="ctr">
+            <a:lvl9pPr marL="3743919" indent="0" algn="ctr">
               <a:buNone/>
-              <a:defRPr sz="1535"/>
+              <a:defRPr sz="1638"/>
             </a:lvl9pPr>
           </a:lstStyle>
           <a:p>
@@ -1143,8 +1143,8 @@
           <a:lstStyle/>
           <a:p>
             <a:fld id="{C764DE79-268F-4C1A-8933-263129D2AF90}" type="datetimeFigureOut">
-              <a:rPr lang="en-US" dirty="0"/>
-              <a:t>9/9/2025</a:t>
+              <a:rPr lang="en-US" smtClean="0"/>
+              <a:t>9/24/2025</a:t>
             </a:fld>
             <a:endParaRPr lang="en-US" dirty="0"/>
           </a:p>
@@ -1185,7 +1185,7 @@
           <a:lstStyle/>
           <a:p>
             <a:fld id="{48F63A3B-78C7-47BE-AE5E-E10140E04643}" type="slidenum">
-              <a:rPr lang="en-US" dirty="0"/>
+              <a:rPr lang="en-US" smtClean="0"/>
               <a:t>‹#›</a:t>
             </a:fld>
             <a:endParaRPr lang="en-US" dirty="0"/>
@@ -1195,7 +1195,7 @@
     </p:spTree>
     <p:extLst>
       <p:ext uri="{BB962C8B-B14F-4D97-AF65-F5344CB8AC3E}">
-        <p14:creationId xmlns:p14="http://schemas.microsoft.com/office/powerpoint/2010/main" val="2002893920"/>
+        <p14:creationId xmlns:p14="http://schemas.microsoft.com/office/powerpoint/2010/main" val="602074161"/>
       </p:ext>
     </p:extLst>
   </p:cSld>
@@ -1313,8 +1313,8 @@
           <a:lstStyle/>
           <a:p>
             <a:fld id="{C764DE79-268F-4C1A-8933-263129D2AF90}" type="datetimeFigureOut">
-              <a:rPr lang="en-US" dirty="0"/>
-              <a:t>9/9/2025</a:t>
+              <a:rPr lang="en-US" smtClean="0"/>
+              <a:t>9/24/2025</a:t>
             </a:fld>
             <a:endParaRPr lang="en-US" dirty="0"/>
           </a:p>
@@ -1355,7 +1355,7 @@
           <a:lstStyle/>
           <a:p>
             <a:fld id="{48F63A3B-78C7-47BE-AE5E-E10140E04643}" type="slidenum">
-              <a:rPr lang="en-US" dirty="0"/>
+              <a:rPr lang="en-US" smtClean="0"/>
               <a:t>‹#›</a:t>
             </a:fld>
             <a:endParaRPr lang="en-US" dirty="0"/>
@@ -1365,7 +1365,7 @@
     </p:spTree>
     <p:extLst>
       <p:ext uri="{BB962C8B-B14F-4D97-AF65-F5344CB8AC3E}">
-        <p14:creationId xmlns:p14="http://schemas.microsoft.com/office/powerpoint/2010/main" val="1602693952"/>
+        <p14:creationId xmlns:p14="http://schemas.microsoft.com/office/powerpoint/2010/main" val="3844340054"/>
       </p:ext>
     </p:extLst>
   </p:cSld>
@@ -1404,8 +1404,8 @@
         </p:nvSpPr>
         <p:spPr>
           <a:xfrm>
-            <a:off x="8372723" y="373746"/>
-            <a:ext cx="2522786" cy="5949062"/>
+            <a:off x="8930526" y="373746"/>
+            <a:ext cx="2690857" cy="5949062"/>
           </a:xfrm>
         </p:spPr>
         <p:txBody>
@@ -1432,8 +1432,8 @@
         </p:nvSpPr>
         <p:spPr>
           <a:xfrm>
-            <a:off x="804367" y="373746"/>
-            <a:ext cx="7422108" cy="5949062"/>
+            <a:off x="857955" y="373746"/>
+            <a:ext cx="7916580" cy="5949062"/>
           </a:xfrm>
         </p:spPr>
         <p:txBody>
@@ -1493,8 +1493,8 @@
           <a:lstStyle/>
           <a:p>
             <a:fld id="{C764DE79-268F-4C1A-8933-263129D2AF90}" type="datetimeFigureOut">
-              <a:rPr lang="en-US" dirty="0"/>
-              <a:t>9/9/2025</a:t>
+              <a:rPr lang="en-US" smtClean="0"/>
+              <a:t>9/24/2025</a:t>
             </a:fld>
             <a:endParaRPr lang="en-US" dirty="0"/>
           </a:p>
@@ -1535,7 +1535,7 @@
           <a:lstStyle/>
           <a:p>
             <a:fld id="{48F63A3B-78C7-47BE-AE5E-E10140E04643}" type="slidenum">
-              <a:rPr lang="en-US" dirty="0"/>
+              <a:rPr lang="en-US" smtClean="0"/>
               <a:t>‹#›</a:t>
             </a:fld>
             <a:endParaRPr lang="en-US" dirty="0"/>
@@ -1545,7 +1545,7 @@
     </p:spTree>
     <p:extLst>
       <p:ext uri="{BB962C8B-B14F-4D97-AF65-F5344CB8AC3E}">
-        <p14:creationId xmlns:p14="http://schemas.microsoft.com/office/powerpoint/2010/main" val="3791860630"/>
+        <p14:creationId xmlns:p14="http://schemas.microsoft.com/office/powerpoint/2010/main" val="347647686"/>
       </p:ext>
     </p:extLst>
   </p:cSld>
@@ -1589,8 +1589,8 @@
         </p:nvSpPr>
         <p:spPr>
           <a:xfrm>
-            <a:off x="0" y="5392547"/>
-            <a:ext cx="11699875" cy="1154499"/>
+            <a:off x="1" y="5392548"/>
+            <a:ext cx="12479338" cy="1154499"/>
           </a:xfrm>
           <a:prstGeom prst="rect">
             <a:avLst/>
@@ -1651,8 +1651,8 @@
         </p:nvSpPr>
         <p:spPr>
           <a:xfrm>
-            <a:off x="1" y="0"/>
-            <a:ext cx="11699876" cy="7019925"/>
+            <a:off x="1" y="1"/>
+            <a:ext cx="12479339" cy="7019925"/>
           </a:xfrm>
           <a:prstGeom prst="rect">
             <a:avLst/>
@@ -1708,8 +1708,8 @@
         </p:nvSpPr>
         <p:spPr>
           <a:xfrm rot="10800000" flipH="1">
-            <a:off x="0" y="-490"/>
-            <a:ext cx="8537671" cy="7020415"/>
+            <a:off x="1" y="-490"/>
+            <a:ext cx="9106463" cy="7020415"/>
           </a:xfrm>
           <a:custGeom>
             <a:avLst/>
@@ -1802,8 +1802,8 @@
         </p:nvSpPr>
         <p:spPr>
           <a:xfrm rot="10800000" flipH="1">
-            <a:off x="1" y="-489"/>
-            <a:ext cx="7769447" cy="7020415"/>
+            <a:off x="2" y="-489"/>
+            <a:ext cx="8287059" cy="7020415"/>
           </a:xfrm>
           <a:custGeom>
             <a:avLst/>
@@ -1902,8 +1902,8 @@
         </p:nvSpPr>
         <p:spPr>
           <a:xfrm>
-            <a:off x="171247" y="371673"/>
-            <a:ext cx="7769592" cy="854920"/>
+            <a:off x="182656" y="371673"/>
+            <a:ext cx="8287214" cy="854920"/>
           </a:xfrm>
           <a:prstGeom prst="rect">
             <a:avLst/>
@@ -1987,8 +1987,8 @@
         </p:nvSpPr>
         <p:spPr>
           <a:xfrm>
-            <a:off x="288244" y="1461450"/>
-            <a:ext cx="6100875" cy="2334487"/>
+            <a:off x="307448" y="1461451"/>
+            <a:ext cx="6507324" cy="2334487"/>
           </a:xfrm>
           <a:prstGeom prst="rect">
             <a:avLst/>
@@ -2035,8 +2035,8 @@
         </p:blipFill>
         <p:spPr>
           <a:xfrm>
-            <a:off x="10350344" y="348636"/>
-            <a:ext cx="788910" cy="841504"/>
+            <a:off x="11039899" y="348636"/>
+            <a:ext cx="841468" cy="841504"/>
           </a:xfrm>
           <a:prstGeom prst="rect">
             <a:avLst/>
@@ -2066,8 +2066,8 @@
         </p:nvSpPr>
         <p:spPr>
           <a:xfrm>
-            <a:off x="-2" y="5372142"/>
-            <a:ext cx="11699875" cy="1154499"/>
+            <a:off x="-2" y="5372143"/>
+            <a:ext cx="12479338" cy="1154499"/>
           </a:xfrm>
           <a:prstGeom prst="rect">
             <a:avLst/>
@@ -2134,8 +2134,8 @@
         </p:blipFill>
         <p:spPr>
           <a:xfrm>
-            <a:off x="288244" y="5686237"/>
-            <a:ext cx="2379078" cy="617405"/>
+            <a:off x="307447" y="5686238"/>
+            <a:ext cx="2537576" cy="617405"/>
           </a:xfrm>
           <a:prstGeom prst="rect">
             <a:avLst/>
@@ -2154,41 +2154,6 @@
           </a:ln>
         </p:spPr>
       </p:pic>
-      <p:pic>
-        <p:nvPicPr>
-          <p:cNvPr id="18" name="Google Shape;239;p1" descr="Logo BC Soft">
-            <a:extLst>
-              <a:ext uri="{FF2B5EF4-FFF2-40B4-BE49-F238E27FC236}">
-                <a16:creationId xmlns:a16="http://schemas.microsoft.com/office/drawing/2014/main" id="{A51D0EF9-64A2-EE66-2DC0-2C013FF445F6}"/>
-              </a:ext>
-            </a:extLst>
-          </p:cNvPr>
-          <p:cNvPicPr preferRelativeResize="0">
-            <a:picLocks noChangeAspect="1"/>
-          </p:cNvPicPr>
-          <p:nvPr userDrawn="1"/>
-        </p:nvPicPr>
-        <p:blipFill rotWithShape="1">
-          <a:blip r:embed="rId4">
-            <a:alphaModFix/>
-          </a:blip>
-          <a:srcRect l="4726" t="20069" r="6364" b="20697"/>
-          <a:stretch/>
-        </p:blipFill>
-        <p:spPr>
-          <a:xfrm>
-            <a:off x="8156914" y="5474456"/>
-            <a:ext cx="1348274" cy="479050"/>
-          </a:xfrm>
-          <a:prstGeom prst="rect">
-            <a:avLst/>
-          </a:prstGeom>
-          <a:noFill/>
-          <a:ln>
-            <a:noFill/>
-          </a:ln>
-        </p:spPr>
-      </p:pic>
       <p:sp>
         <p:nvSpPr>
           <p:cNvPr id="47" name="Text Placeholder 46">
@@ -2207,8 +2172,8 @@
         </p:nvSpPr>
         <p:spPr>
           <a:xfrm>
-            <a:off x="288244" y="3904999"/>
-            <a:ext cx="6108652" cy="529744"/>
+            <a:off x="307447" y="3904999"/>
+            <a:ext cx="6515619" cy="529744"/>
           </a:xfrm>
           <a:prstGeom prst="rect">
             <a:avLst/>
@@ -2253,7 +2218,7 @@
           <p:nvPr userDrawn="1"/>
         </p:nvPicPr>
         <p:blipFill>
-          <a:blip r:embed="rId5">
+          <a:blip r:embed="rId4">
             <a:alphaModFix/>
             <a:extLst>
               <a:ext uri="{28A0092B-C50C-407E-A947-70E740481C1C}">
@@ -2268,8 +2233,8 @@
         </p:blipFill>
         <p:spPr bwMode="auto">
           <a:xfrm>
-            <a:off x="3220323" y="5627405"/>
-            <a:ext cx="1530038" cy="816021"/>
+            <a:off x="3434866" y="5627406"/>
+            <a:ext cx="1631971" cy="816021"/>
           </a:xfrm>
           <a:prstGeom prst="rect">
             <a:avLst/>
@@ -2303,7 +2268,7 @@
           <p:nvPr userDrawn="1"/>
         </p:nvPicPr>
         <p:blipFill>
-          <a:blip r:embed="rId6">
+          <a:blip r:embed="rId5">
             <a:extLst>
               <a:ext uri="{28A0092B-C50C-407E-A947-70E740481C1C}">
                 <a14:useLocalDpi xmlns:a14="http://schemas.microsoft.com/office/drawing/2010/main" val="0"/>
@@ -2317,149 +2282,8 @@
         </p:blipFill>
         <p:spPr bwMode="auto">
           <a:xfrm>
-            <a:off x="5303361" y="5424419"/>
-            <a:ext cx="2045164" cy="1090755"/>
-          </a:xfrm>
-          <a:prstGeom prst="rect">
-            <a:avLst/>
-          </a:prstGeom>
-          <a:noFill/>
-          <a:extLst>
-            <a:ext uri="{909E8E84-426E-40DD-AFC4-6F175D3DCCD1}">
-              <a14:hiddenFill xmlns:a14="http://schemas.microsoft.com/office/drawing/2010/main">
-                <a:solidFill>
-                  <a:srgbClr val="FFFFFF"/>
-                </a:solidFill>
-              </a14:hiddenFill>
-            </a:ext>
-          </a:extLst>
-        </p:spPr>
-      </p:pic>
-      <p:pic>
-        <p:nvPicPr>
-          <p:cNvPr id="1030" name="Picture 6" descr="Key2">
-            <a:extLst>
-              <a:ext uri="{FF2B5EF4-FFF2-40B4-BE49-F238E27FC236}">
-                <a16:creationId xmlns:a16="http://schemas.microsoft.com/office/drawing/2014/main" id="{E1B8FDDA-A0D8-C674-9684-0C6B9583C7D8}"/>
-              </a:ext>
-            </a:extLst>
-          </p:cNvPr>
-          <p:cNvPicPr>
-            <a:picLocks noChangeAspect="1" noChangeArrowheads="1"/>
-          </p:cNvPicPr>
-          <p:nvPr userDrawn="1"/>
-        </p:nvPicPr>
-        <p:blipFill>
-          <a:blip r:embed="rId7">
-            <a:extLst>
-              <a:ext uri="{28A0092B-C50C-407E-A947-70E740481C1C}">
-                <a14:useLocalDpi xmlns:a14="http://schemas.microsoft.com/office/drawing/2010/main" val="0"/>
-              </a:ext>
-            </a:extLst>
-          </a:blip>
-          <a:srcRect/>
-          <a:stretch>
-            <a:fillRect/>
-          </a:stretch>
-        </p:blipFill>
-        <p:spPr bwMode="auto">
-          <a:xfrm>
-            <a:off x="10038773" y="5392546"/>
-            <a:ext cx="1205379" cy="642869"/>
-          </a:xfrm>
-          <a:prstGeom prst="rect">
-            <a:avLst/>
-          </a:prstGeom>
-          <a:noFill/>
-          <a:extLst>
-            <a:ext uri="{909E8E84-426E-40DD-AFC4-6F175D3DCCD1}">
-              <a14:hiddenFill xmlns:a14="http://schemas.microsoft.com/office/drawing/2010/main">
-                <a:solidFill>
-                  <a:srgbClr val="FFFFFF"/>
-                </a:solidFill>
-              </a14:hiddenFill>
-            </a:ext>
-          </a:extLst>
-        </p:spPr>
-      </p:pic>
-      <p:pic>
-        <p:nvPicPr>
-          <p:cNvPr id="1032" name="Picture 8" descr="Lobra Futura">
-            <a:extLst>
-              <a:ext uri="{FF2B5EF4-FFF2-40B4-BE49-F238E27FC236}">
-                <a16:creationId xmlns:a16="http://schemas.microsoft.com/office/drawing/2014/main" id="{616EA2D4-4735-679D-FB89-2EAE7BB596E4}"/>
-              </a:ext>
-            </a:extLst>
-          </p:cNvPr>
-          <p:cNvPicPr>
-            <a:picLocks noChangeAspect="1" noChangeArrowheads="1"/>
-          </p:cNvPicPr>
-          <p:nvPr userDrawn="1"/>
-        </p:nvPicPr>
-        <p:blipFill>
-          <a:blip r:embed="rId8">
-            <a:extLst>
-              <a:ext uri="{28A0092B-C50C-407E-A947-70E740481C1C}">
-                <a14:useLocalDpi xmlns:a14="http://schemas.microsoft.com/office/drawing/2010/main" val="0"/>
-              </a:ext>
-            </a:extLst>
-          </a:blip>
-          <a:srcRect/>
-          <a:stretch>
-            <a:fillRect/>
-          </a:stretch>
-        </p:blipFill>
-        <p:spPr bwMode="auto">
-          <a:xfrm>
-            <a:off x="8322448" y="5926219"/>
-            <a:ext cx="1205379" cy="642869"/>
-          </a:xfrm>
-          <a:prstGeom prst="rect">
-            <a:avLst/>
-          </a:prstGeom>
-          <a:noFill/>
-          <a:extLst>
-            <a:ext uri="{909E8E84-426E-40DD-AFC4-6F175D3DCCD1}">
-              <a14:hiddenFill xmlns:a14="http://schemas.microsoft.com/office/drawing/2010/main">
-                <a:solidFill>
-                  <a:srgbClr val="FFFFFF"/>
-                </a:solidFill>
-              </a14:hiddenFill>
-            </a:ext>
-          </a:extLst>
-        </p:spPr>
-      </p:pic>
-      <p:pic>
-        <p:nvPicPr>
-          <p:cNvPr id="1034" name="Picture 10" descr="Apvee">
-            <a:extLst>
-              <a:ext uri="{FF2B5EF4-FFF2-40B4-BE49-F238E27FC236}">
-                <a16:creationId xmlns:a16="http://schemas.microsoft.com/office/drawing/2014/main" id="{212C424F-5CD0-5438-8F7F-E20FE67E637A}"/>
-              </a:ext>
-            </a:extLst>
-          </p:cNvPr>
-          <p:cNvPicPr>
-            <a:picLocks noChangeAspect="1" noChangeArrowheads="1"/>
-          </p:cNvPicPr>
-          <p:nvPr userDrawn="1"/>
-        </p:nvPicPr>
-        <p:blipFill>
-          <a:blip r:embed="rId9">
-            <a:extLst>
-              <a:ext uri="{28A0092B-C50C-407E-A947-70E740481C1C}">
-                <a14:useLocalDpi xmlns:a14="http://schemas.microsoft.com/office/drawing/2010/main" val="0"/>
-              </a:ext>
-            </a:extLst>
-          </a:blip>
-          <a:srcRect/>
-          <a:stretch>
-            <a:fillRect/>
-          </a:stretch>
-        </p:blipFill>
-        <p:spPr bwMode="auto">
-          <a:xfrm>
-            <a:off x="9876281" y="5848290"/>
-            <a:ext cx="1497616" cy="798729"/>
+            <a:off x="5656679" y="5424420"/>
+            <a:ext cx="2181416" cy="1090755"/>
           </a:xfrm>
           <a:prstGeom prst="rect">
             <a:avLst/>
@@ -2491,7 +2315,7 @@
           <p:nvPr userDrawn="1"/>
         </p:nvPicPr>
         <p:blipFill>
-          <a:blip r:embed="rId10">
+          <a:blip r:embed="rId6">
             <a:extLst>
               <a:ext uri="{28A0092B-C50C-407E-A947-70E740481C1C}">
                 <a14:useLocalDpi xmlns:a14="http://schemas.microsoft.com/office/drawing/2010/main" val="0"/>
@@ -2505,8 +2329,231 @@
         </p:blipFill>
         <p:spPr bwMode="auto">
           <a:xfrm>
-            <a:off x="8082216" y="1233443"/>
-            <a:ext cx="2646533" cy="3665819"/>
+            <a:off x="8620666" y="1233444"/>
+            <a:ext cx="2822849" cy="3665819"/>
+          </a:xfrm>
+          <a:prstGeom prst="rect">
+            <a:avLst/>
+          </a:prstGeom>
+          <a:noFill/>
+          <a:extLst>
+            <a:ext uri="{909E8E84-426E-40DD-AFC4-6F175D3DCCD1}">
+              <a14:hiddenFill xmlns:a14="http://schemas.microsoft.com/office/drawing/2010/main">
+                <a:solidFill>
+                  <a:srgbClr val="FFFFFF"/>
+                </a:solidFill>
+              </a14:hiddenFill>
+            </a:ext>
+          </a:extLst>
+        </p:spPr>
+      </p:pic>
+      <p:pic>
+        <p:nvPicPr>
+          <p:cNvPr id="2" name="Google Shape;239;p1" descr="Logo BC Soft">
+            <a:extLst>
+              <a:ext uri="{FF2B5EF4-FFF2-40B4-BE49-F238E27FC236}">
+                <a16:creationId xmlns:a16="http://schemas.microsoft.com/office/drawing/2014/main" id="{356679CE-FECA-05F7-95FB-07A5ACAB4F41}"/>
+              </a:ext>
+            </a:extLst>
+          </p:cNvPr>
+          <p:cNvPicPr preferRelativeResize="0">
+            <a:picLocks noChangeAspect="1"/>
+          </p:cNvPicPr>
+          <p:nvPr userDrawn="1"/>
+        </p:nvPicPr>
+        <p:blipFill rotWithShape="1">
+          <a:blip r:embed="rId7">
+            <a:alphaModFix/>
+          </a:blip>
+          <a:srcRect l="4726" t="20069" r="6364" b="20697"/>
+          <a:stretch/>
+        </p:blipFill>
+        <p:spPr>
+          <a:xfrm>
+            <a:off x="8088037" y="5597136"/>
+            <a:ext cx="1438098" cy="479050"/>
+          </a:xfrm>
+          <a:prstGeom prst="rect">
+            <a:avLst/>
+          </a:prstGeom>
+          <a:noFill/>
+          <a:ln>
+            <a:noFill/>
+          </a:ln>
+        </p:spPr>
+      </p:pic>
+      <p:pic>
+        <p:nvPicPr>
+          <p:cNvPr id="3" name="Picture 6" descr="Key2">
+            <a:extLst>
+              <a:ext uri="{FF2B5EF4-FFF2-40B4-BE49-F238E27FC236}">
+                <a16:creationId xmlns:a16="http://schemas.microsoft.com/office/drawing/2014/main" id="{9D1950FC-5722-C1C9-9DCA-FE6B53C5726B}"/>
+              </a:ext>
+            </a:extLst>
+          </p:cNvPr>
+          <p:cNvPicPr>
+            <a:picLocks noChangeAspect="1" noChangeArrowheads="1"/>
+          </p:cNvPicPr>
+          <p:nvPr userDrawn="1"/>
+        </p:nvPicPr>
+        <p:blipFill>
+          <a:blip r:embed="rId8">
+            <a:extLst>
+              <a:ext uri="{28A0092B-C50C-407E-A947-70E740481C1C}">
+                <a14:useLocalDpi xmlns:a14="http://schemas.microsoft.com/office/drawing/2010/main" val="0"/>
+              </a:ext>
+            </a:extLst>
+          </a:blip>
+          <a:srcRect/>
+          <a:stretch>
+            <a:fillRect/>
+          </a:stretch>
+        </p:blipFill>
+        <p:spPr bwMode="auto">
+          <a:xfrm>
+            <a:off x="9678830" y="5537566"/>
+            <a:ext cx="1285683" cy="642869"/>
+          </a:xfrm>
+          <a:prstGeom prst="rect">
+            <a:avLst/>
+          </a:prstGeom>
+          <a:noFill/>
+          <a:extLst>
+            <a:ext uri="{909E8E84-426E-40DD-AFC4-6F175D3DCCD1}">
+              <a14:hiddenFill xmlns:a14="http://schemas.microsoft.com/office/drawing/2010/main">
+                <a:solidFill>
+                  <a:srgbClr val="FFFFFF"/>
+                </a:solidFill>
+              </a14:hiddenFill>
+            </a:ext>
+          </a:extLst>
+        </p:spPr>
+      </p:pic>
+      <p:pic>
+        <p:nvPicPr>
+          <p:cNvPr id="4" name="Picture 8" descr="Lobra Futura">
+            <a:extLst>
+              <a:ext uri="{FF2B5EF4-FFF2-40B4-BE49-F238E27FC236}">
+                <a16:creationId xmlns:a16="http://schemas.microsoft.com/office/drawing/2014/main" id="{7BEF5483-166A-ACB0-AD91-6FB1B0DB278C}"/>
+              </a:ext>
+            </a:extLst>
+          </p:cNvPr>
+          <p:cNvPicPr>
+            <a:picLocks noChangeAspect="1" noChangeArrowheads="1"/>
+          </p:cNvPicPr>
+          <p:nvPr userDrawn="1"/>
+        </p:nvPicPr>
+        <p:blipFill>
+          <a:blip r:embed="rId9">
+            <a:extLst>
+              <a:ext uri="{28A0092B-C50C-407E-A947-70E740481C1C}">
+                <a14:useLocalDpi xmlns:a14="http://schemas.microsoft.com/office/drawing/2010/main" val="0"/>
+              </a:ext>
+            </a:extLst>
+          </a:blip>
+          <a:srcRect/>
+          <a:stretch>
+            <a:fillRect/>
+          </a:stretch>
+        </p:blipFill>
+        <p:spPr bwMode="auto">
+          <a:xfrm>
+            <a:off x="11079083" y="5489837"/>
+            <a:ext cx="1285683" cy="642869"/>
+          </a:xfrm>
+          <a:prstGeom prst="rect">
+            <a:avLst/>
+          </a:prstGeom>
+          <a:noFill/>
+          <a:extLst>
+            <a:ext uri="{909E8E84-426E-40DD-AFC4-6F175D3DCCD1}">
+              <a14:hiddenFill xmlns:a14="http://schemas.microsoft.com/office/drawing/2010/main">
+                <a:solidFill>
+                  <a:srgbClr val="FFFFFF"/>
+                </a:solidFill>
+              </a14:hiddenFill>
+            </a:ext>
+          </a:extLst>
+        </p:spPr>
+      </p:pic>
+      <p:pic>
+        <p:nvPicPr>
+          <p:cNvPr id="5" name="Picture 10" descr="Apvee">
+            <a:extLst>
+              <a:ext uri="{FF2B5EF4-FFF2-40B4-BE49-F238E27FC236}">
+                <a16:creationId xmlns:a16="http://schemas.microsoft.com/office/drawing/2014/main" id="{FBB42644-E632-5858-26DD-7CF56A67D72F}"/>
+              </a:ext>
+            </a:extLst>
+          </p:cNvPr>
+          <p:cNvPicPr>
+            <a:picLocks noChangeAspect="1" noChangeArrowheads="1"/>
+          </p:cNvPicPr>
+          <p:nvPr userDrawn="1"/>
+        </p:nvPicPr>
+        <p:blipFill>
+          <a:blip r:embed="rId10">
+            <a:extLst>
+              <a:ext uri="{28A0092B-C50C-407E-A947-70E740481C1C}">
+                <a14:useLocalDpi xmlns:a14="http://schemas.microsoft.com/office/drawing/2010/main" val="0"/>
+              </a:ext>
+            </a:extLst>
+          </a:blip>
+          <a:srcRect/>
+          <a:stretch>
+            <a:fillRect/>
+          </a:stretch>
+        </p:blipFill>
+        <p:spPr bwMode="auto">
+          <a:xfrm>
+            <a:off x="8686158" y="6068475"/>
+            <a:ext cx="1597389" cy="798729"/>
+          </a:xfrm>
+          <a:prstGeom prst="rect">
+            <a:avLst/>
+          </a:prstGeom>
+          <a:noFill/>
+          <a:extLst>
+            <a:ext uri="{909E8E84-426E-40DD-AFC4-6F175D3DCCD1}">
+              <a14:hiddenFill xmlns:a14="http://schemas.microsoft.com/office/drawing/2010/main">
+                <a:solidFill>
+                  <a:srgbClr val="FFFFFF"/>
+                </a:solidFill>
+              </a14:hiddenFill>
+            </a:ext>
+          </a:extLst>
+        </p:spPr>
+      </p:pic>
+      <p:pic>
+        <p:nvPicPr>
+          <p:cNvPr id="6" name="Picture 2">
+            <a:extLst>
+              <a:ext uri="{FF2B5EF4-FFF2-40B4-BE49-F238E27FC236}">
+                <a16:creationId xmlns:a16="http://schemas.microsoft.com/office/drawing/2014/main" id="{14549D04-02BC-3A6D-9F7B-4D51F36C497E}"/>
+              </a:ext>
+            </a:extLst>
+          </p:cNvPr>
+          <p:cNvPicPr>
+            <a:picLocks noChangeAspect="1" noChangeArrowheads="1"/>
+          </p:cNvPicPr>
+          <p:nvPr userDrawn="1"/>
+        </p:nvPicPr>
+        <p:blipFill>
+          <a:blip r:embed="rId11">
+            <a:extLst>
+              <a:ext uri="{28A0092B-C50C-407E-A947-70E740481C1C}">
+                <a14:useLocalDpi xmlns:a14="http://schemas.microsoft.com/office/drawing/2010/main" val="0"/>
+              </a:ext>
+            </a:extLst>
+          </a:blip>
+          <a:srcRect/>
+          <a:stretch>
+            <a:fillRect/>
+          </a:stretch>
+        </p:blipFill>
+        <p:spPr bwMode="auto">
+          <a:xfrm>
+            <a:off x="10640819" y="6291173"/>
+            <a:ext cx="1123569" cy="400676"/>
           </a:xfrm>
           <a:prstGeom prst="rect">
             <a:avLst/>
@@ -2526,7 +2573,7 @@
     </p:spTree>
     <p:extLst>
       <p:ext uri="{BB962C8B-B14F-4D97-AF65-F5344CB8AC3E}">
-        <p14:creationId xmlns:p14="http://schemas.microsoft.com/office/powerpoint/2010/main" val="2917022845"/>
+        <p14:creationId xmlns:p14="http://schemas.microsoft.com/office/powerpoint/2010/main" val="3250291612"/>
       </p:ext>
     </p:extLst>
   </p:cSld>
@@ -2576,8 +2623,8 @@
         </p:blipFill>
         <p:spPr>
           <a:xfrm>
-            <a:off x="4259331" y="1576229"/>
-            <a:ext cx="3181213" cy="825571"/>
+            <a:off x="4543095" y="1576230"/>
+            <a:ext cx="3393150" cy="825571"/>
           </a:xfrm>
           <a:prstGeom prst="rect">
             <a:avLst/>
@@ -2598,29 +2645,27 @@
       </p:pic>
       <p:pic>
         <p:nvPicPr>
-          <p:cNvPr id="8" name="Google Shape;239;p1" descr="Logo BC Soft">
+          <p:cNvPr id="16" name="Google Shape;233;p1" descr="Logo Community DotNetCode">
             <a:extLst>
               <a:ext uri="{FF2B5EF4-FFF2-40B4-BE49-F238E27FC236}">
-                <a16:creationId xmlns:a16="http://schemas.microsoft.com/office/drawing/2014/main" id="{C5864EFD-AC34-106D-0C94-D512C88C2491}"/>
+                <a16:creationId xmlns:a16="http://schemas.microsoft.com/office/drawing/2014/main" id="{D9DDFB63-2BFB-8379-092B-30C0195BAA62}"/>
               </a:ext>
             </a:extLst>
           </p:cNvPr>
-          <p:cNvPicPr preferRelativeResize="0">
-            <a:picLocks noChangeAspect="1"/>
-          </p:cNvPicPr>
+          <p:cNvPicPr preferRelativeResize="0"/>
           <p:nvPr userDrawn="1"/>
         </p:nvPicPr>
         <p:blipFill rotWithShape="1">
           <a:blip r:embed="rId3">
             <a:alphaModFix/>
           </a:blip>
-          <a:srcRect l="4726" t="20069" r="6364" b="20697"/>
+          <a:srcRect/>
           <a:stretch/>
         </p:blipFill>
         <p:spPr>
           <a:xfrm>
-            <a:off x="1229517" y="5151375"/>
-            <a:ext cx="1761454" cy="625855"/>
+            <a:off x="11784526" y="6412833"/>
+            <a:ext cx="476425" cy="476445"/>
           </a:xfrm>
           <a:prstGeom prst="rect">
             <a:avLst/>
@@ -2631,39 +2676,6 @@
           </a:ln>
         </p:spPr>
       </p:pic>
-      <p:pic>
-        <p:nvPicPr>
-          <p:cNvPr id="16" name="Google Shape;233;p1" descr="Logo Community DotNetCode">
-            <a:extLst>
-              <a:ext uri="{FF2B5EF4-FFF2-40B4-BE49-F238E27FC236}">
-                <a16:creationId xmlns:a16="http://schemas.microsoft.com/office/drawing/2014/main" id="{D9DDFB63-2BFB-8379-092B-30C0195BAA62}"/>
-              </a:ext>
-            </a:extLst>
-          </p:cNvPr>
-          <p:cNvPicPr preferRelativeResize="0"/>
-          <p:nvPr userDrawn="1"/>
-        </p:nvPicPr>
-        <p:blipFill rotWithShape="1">
-          <a:blip r:embed="rId4">
-            <a:alphaModFix/>
-          </a:blip>
-          <a:srcRect/>
-          <a:stretch/>
-        </p:blipFill>
-        <p:spPr>
-          <a:xfrm>
-            <a:off x="11048461" y="6412832"/>
-            <a:ext cx="446667" cy="476445"/>
-          </a:xfrm>
-          <a:prstGeom prst="rect">
-            <a:avLst/>
-          </a:prstGeom>
-          <a:noFill/>
-          <a:ln>
-            <a:noFill/>
-          </a:ln>
-        </p:spPr>
-      </p:pic>
       <p:sp>
         <p:nvSpPr>
           <p:cNvPr id="20" name="TextBox 19">
@@ -2678,8 +2690,8 @@
         </p:nvSpPr>
         <p:spPr>
           <a:xfrm>
-            <a:off x="0" y="296397"/>
-            <a:ext cx="11699875" cy="739305"/>
+            <a:off x="1" y="296398"/>
+            <a:ext cx="12479338" cy="739305"/>
           </a:xfrm>
           <a:prstGeom prst="rect">
             <a:avLst/>
@@ -2717,7 +2729,7 @@
           <p:nvPr userDrawn="1"/>
         </p:nvPicPr>
         <p:blipFill>
-          <a:blip r:embed="rId5">
+          <a:blip r:embed="rId4">
             <a:alphaModFix/>
             <a:extLst>
               <a:ext uri="{28A0092B-C50C-407E-A947-70E740481C1C}">
@@ -2732,8 +2744,8 @@
         </p:blipFill>
         <p:spPr bwMode="auto">
           <a:xfrm>
-            <a:off x="2677866" y="3037781"/>
-            <a:ext cx="2361105" cy="1259257"/>
+            <a:off x="2856270" y="3037782"/>
+            <a:ext cx="2518405" cy="1259257"/>
           </a:xfrm>
           <a:prstGeom prst="rect">
             <a:avLst/>
@@ -2767,7 +2779,7 @@
           <p:nvPr userDrawn="1"/>
         </p:nvPicPr>
         <p:blipFill>
-          <a:blip r:embed="rId6">
+          <a:blip r:embed="rId5">
             <a:extLst>
               <a:ext uri="{28A0092B-C50C-407E-A947-70E740481C1C}">
                 <a14:useLocalDpi xmlns:a14="http://schemas.microsoft.com/office/drawing/2010/main" val="0"/>
@@ -2781,8 +2793,8 @@
         </p:blipFill>
         <p:spPr bwMode="auto">
           <a:xfrm>
-            <a:off x="6527655" y="2722888"/>
-            <a:ext cx="2951531" cy="1574150"/>
+            <a:off x="6962538" y="2722888"/>
+            <a:ext cx="3148166" cy="1574150"/>
           </a:xfrm>
           <a:prstGeom prst="rect">
             <a:avLst/>
@@ -2801,10 +2813,45 @@
       </p:pic>
       <p:pic>
         <p:nvPicPr>
-          <p:cNvPr id="5" name="Picture 6" descr="Key2">
+          <p:cNvPr id="2" name="Google Shape;239;p1" descr="Logo BC Soft">
             <a:extLst>
               <a:ext uri="{FF2B5EF4-FFF2-40B4-BE49-F238E27FC236}">
-                <a16:creationId xmlns:a16="http://schemas.microsoft.com/office/drawing/2014/main" id="{4E11E310-AFFC-7369-BA3F-88FAAA0E7F26}"/>
+                <a16:creationId xmlns:a16="http://schemas.microsoft.com/office/drawing/2014/main" id="{2BD0D174-1405-13AF-7D86-904F0D682354}"/>
+              </a:ext>
+            </a:extLst>
+          </p:cNvPr>
+          <p:cNvPicPr preferRelativeResize="0">
+            <a:picLocks noChangeAspect="1"/>
+          </p:cNvPicPr>
+          <p:nvPr userDrawn="1"/>
+        </p:nvPicPr>
+        <p:blipFill rotWithShape="1">
+          <a:blip r:embed="rId6">
+            <a:alphaModFix/>
+          </a:blip>
+          <a:srcRect l="4726" t="20069" r="6364" b="20697"/>
+          <a:stretch/>
+        </p:blipFill>
+        <p:spPr>
+          <a:xfrm>
+            <a:off x="1060308" y="5151374"/>
+            <a:ext cx="1878805" cy="625855"/>
+          </a:xfrm>
+          <a:prstGeom prst="rect">
+            <a:avLst/>
+          </a:prstGeom>
+          <a:noFill/>
+          <a:ln>
+            <a:noFill/>
+          </a:ln>
+        </p:spPr>
+      </p:pic>
+      <p:pic>
+        <p:nvPicPr>
+          <p:cNvPr id="7" name="Picture 6" descr="Key2">
+            <a:extLst>
+              <a:ext uri="{FF2B5EF4-FFF2-40B4-BE49-F238E27FC236}">
+                <a16:creationId xmlns:a16="http://schemas.microsoft.com/office/drawing/2014/main" id="{F15ED828-8155-E6CA-01A8-CAD4E05C39B9}"/>
               </a:ext>
             </a:extLst>
           </p:cNvPr>
@@ -2828,8 +2875,8 @@
         </p:blipFill>
         <p:spPr bwMode="auto">
           <a:xfrm>
-            <a:off x="3858419" y="5030912"/>
-            <a:ext cx="1497616" cy="798729"/>
+            <a:off x="3500793" y="5064937"/>
+            <a:ext cx="1597389" cy="798729"/>
           </a:xfrm>
           <a:prstGeom prst="rect">
             <a:avLst/>
@@ -2848,10 +2895,10 @@
       </p:pic>
       <p:pic>
         <p:nvPicPr>
-          <p:cNvPr id="15" name="Picture 8" descr="Lobra Futura">
+          <p:cNvPr id="9" name="Picture 8" descr="Lobra Futura">
             <a:extLst>
               <a:ext uri="{FF2B5EF4-FFF2-40B4-BE49-F238E27FC236}">
-                <a16:creationId xmlns:a16="http://schemas.microsoft.com/office/drawing/2014/main" id="{566E30DC-0052-D820-B13F-AA691B8DC5A5}"/>
+                <a16:creationId xmlns:a16="http://schemas.microsoft.com/office/drawing/2014/main" id="{706F90A5-78D4-6F88-8956-F81ECF83B261}"/>
               </a:ext>
             </a:extLst>
           </p:cNvPr>
@@ -2875,8 +2922,8 @@
         </p:blipFill>
         <p:spPr bwMode="auto">
           <a:xfrm>
-            <a:off x="8870871" y="5074224"/>
-            <a:ext cx="1462787" cy="780154"/>
+            <a:off x="8120062" y="5074223"/>
+            <a:ext cx="1560240" cy="780154"/>
           </a:xfrm>
           <a:prstGeom prst="rect">
             <a:avLst/>
@@ -2895,10 +2942,10 @@
       </p:pic>
       <p:pic>
         <p:nvPicPr>
-          <p:cNvPr id="17" name="Picture 10" descr="Apvee">
+          <p:cNvPr id="10" name="Picture 10" descr="Apvee">
             <a:extLst>
               <a:ext uri="{FF2B5EF4-FFF2-40B4-BE49-F238E27FC236}">
-                <a16:creationId xmlns:a16="http://schemas.microsoft.com/office/drawing/2014/main" id="{C69DE6B2-0EAC-A291-43CE-E6DA9E136318}"/>
+                <a16:creationId xmlns:a16="http://schemas.microsoft.com/office/drawing/2014/main" id="{A257B8DA-EBE6-E05C-8C65-F47B0A159F55}"/>
               </a:ext>
             </a:extLst>
           </p:cNvPr>
@@ -2922,8 +2969,55 @@
         </p:blipFill>
         <p:spPr bwMode="auto">
           <a:xfrm>
-            <a:off x="6223483" y="4989650"/>
-            <a:ext cx="1779938" cy="949301"/>
+            <a:off x="5659862" y="4989651"/>
+            <a:ext cx="1898520" cy="949301"/>
+          </a:xfrm>
+          <a:prstGeom prst="rect">
+            <a:avLst/>
+          </a:prstGeom>
+          <a:noFill/>
+          <a:extLst>
+            <a:ext uri="{909E8E84-426E-40DD-AFC4-6F175D3DCCD1}">
+              <a14:hiddenFill xmlns:a14="http://schemas.microsoft.com/office/drawing/2010/main">
+                <a:solidFill>
+                  <a:srgbClr val="FFFFFF"/>
+                </a:solidFill>
+              </a14:hiddenFill>
+            </a:ext>
+          </a:extLst>
+        </p:spPr>
+      </p:pic>
+      <p:pic>
+        <p:nvPicPr>
+          <p:cNvPr id="11" name="Picture 2">
+            <a:extLst>
+              <a:ext uri="{FF2B5EF4-FFF2-40B4-BE49-F238E27FC236}">
+                <a16:creationId xmlns:a16="http://schemas.microsoft.com/office/drawing/2014/main" id="{80B25C11-6BE0-106D-F9E6-A921A2371509}"/>
+              </a:ext>
+            </a:extLst>
+          </p:cNvPr>
+          <p:cNvPicPr>
+            <a:picLocks noChangeAspect="1" noChangeArrowheads="1"/>
+          </p:cNvPicPr>
+          <p:nvPr userDrawn="1"/>
+        </p:nvPicPr>
+        <p:blipFill>
+          <a:blip r:embed="rId10">
+            <a:extLst>
+              <a:ext uri="{28A0092B-C50C-407E-A947-70E740481C1C}">
+                <a14:useLocalDpi xmlns:a14="http://schemas.microsoft.com/office/drawing/2010/main" val="0"/>
+              </a:ext>
+            </a:extLst>
+          </a:blip>
+          <a:srcRect/>
+          <a:stretch>
+            <a:fillRect/>
+          </a:stretch>
+        </p:blipFill>
+        <p:spPr bwMode="auto">
+          <a:xfrm>
+            <a:off x="10241981" y="5301763"/>
+            <a:ext cx="1333295" cy="475466"/>
           </a:xfrm>
           <a:prstGeom prst="rect">
             <a:avLst/>
@@ -2943,7 +3037,7 @@
     </p:spTree>
     <p:extLst>
       <p:ext uri="{BB962C8B-B14F-4D97-AF65-F5344CB8AC3E}">
-        <p14:creationId xmlns:p14="http://schemas.microsoft.com/office/powerpoint/2010/main" val="3128729591"/>
+        <p14:creationId xmlns:p14="http://schemas.microsoft.com/office/powerpoint/2010/main" val="3294352370"/>
       </p:ext>
     </p:extLst>
   </p:cSld>
@@ -2958,7 +3052,7 @@
             <a:srgbClr val="FBAE40"/>
           </p15:clr>
         </p15:guide>
-        <p15:guide id="2" pos="3685">
+        <p15:guide id="2" pos="3931">
           <p15:clr>
             <a:srgbClr val="FBAE40"/>
           </p15:clr>
@@ -3004,7 +3098,7 @@
         <p:spPr>
           <a:xfrm>
             <a:off x="1" y="15600"/>
-            <a:ext cx="11699876" cy="7019925"/>
+            <a:ext cx="12479339" cy="7019925"/>
           </a:xfrm>
           <a:prstGeom prst="rect">
             <a:avLst/>
@@ -3060,8 +3154,8 @@
         </p:nvSpPr>
         <p:spPr>
           <a:xfrm rot="10800000" flipH="1">
-            <a:off x="0" y="-490"/>
-            <a:ext cx="8537671" cy="7020415"/>
+            <a:off x="1" y="-490"/>
+            <a:ext cx="9106463" cy="7020415"/>
           </a:xfrm>
           <a:custGeom>
             <a:avLst/>
@@ -3154,8 +3248,8 @@
         </p:nvSpPr>
         <p:spPr>
           <a:xfrm rot="10800000" flipH="1">
-            <a:off x="1" y="-489"/>
-            <a:ext cx="7769447" cy="7020415"/>
+            <a:off x="2" y="-489"/>
+            <a:ext cx="8287059" cy="7020415"/>
           </a:xfrm>
           <a:custGeom>
             <a:avLst/>
@@ -3257,8 +3351,8 @@
         </p:blipFill>
         <p:spPr>
           <a:xfrm>
-            <a:off x="10644044" y="161438"/>
-            <a:ext cx="941268" cy="1004019"/>
+            <a:off x="11353166" y="161439"/>
+            <a:ext cx="1003977" cy="1004019"/>
           </a:xfrm>
           <a:prstGeom prst="rect">
             <a:avLst/>
@@ -3283,8 +3377,8 @@
         </p:nvSpPr>
         <p:spPr>
           <a:xfrm>
-            <a:off x="-2" y="3084409"/>
-            <a:ext cx="6071490" cy="798039"/>
+            <a:off x="-2" y="3084410"/>
+            <a:ext cx="6475982" cy="798039"/>
           </a:xfrm>
           <a:prstGeom prst="rect">
             <a:avLst/>
@@ -3338,8 +3432,8 @@
         </p:blipFill>
         <p:spPr bwMode="auto">
           <a:xfrm>
-            <a:off x="8177862" y="1817557"/>
-            <a:ext cx="2466182" cy="3416010"/>
+            <a:off x="8722683" y="1817557"/>
+            <a:ext cx="2630483" cy="3416010"/>
           </a:xfrm>
           <a:prstGeom prst="rect">
             <a:avLst/>
@@ -3374,8 +3468,8 @@
         </p:nvSpPr>
         <p:spPr>
           <a:xfrm>
-            <a:off x="880336" y="-2737380"/>
-            <a:ext cx="6889112" cy="503417"/>
+            <a:off x="938985" y="-2737380"/>
+            <a:ext cx="7348075" cy="503417"/>
           </a:xfrm>
           <a:prstGeom prst="rect">
             <a:avLst/>
@@ -3407,7 +3501,7 @@
     </p:spTree>
     <p:extLst>
       <p:ext uri="{BB962C8B-B14F-4D97-AF65-F5344CB8AC3E}">
-        <p14:creationId xmlns:p14="http://schemas.microsoft.com/office/powerpoint/2010/main" val="3767940277"/>
+        <p14:creationId xmlns:p14="http://schemas.microsoft.com/office/powerpoint/2010/main" val="3350006357"/>
       </p:ext>
     </p:extLst>
   </p:cSld>
@@ -3452,7 +3546,7 @@
         <p:spPr>
           <a:xfrm>
             <a:off x="1" y="15600"/>
-            <a:ext cx="11699876" cy="7019925"/>
+            <a:ext cx="12479339" cy="7019925"/>
           </a:xfrm>
           <a:prstGeom prst="rect">
             <a:avLst/>
@@ -3508,8 +3602,8 @@
         </p:nvSpPr>
         <p:spPr>
           <a:xfrm rot="10800000" flipH="1">
-            <a:off x="0" y="-490"/>
-            <a:ext cx="8537671" cy="7020415"/>
+            <a:off x="1" y="-490"/>
+            <a:ext cx="9106463" cy="7020415"/>
           </a:xfrm>
           <a:custGeom>
             <a:avLst/>
@@ -3602,8 +3696,8 @@
         </p:nvSpPr>
         <p:spPr>
           <a:xfrm rot="10800000" flipH="1">
-            <a:off x="1" y="-489"/>
-            <a:ext cx="7769447" cy="7020415"/>
+            <a:off x="2" y="-489"/>
+            <a:ext cx="8287059" cy="7020415"/>
           </a:xfrm>
           <a:custGeom>
             <a:avLst/>
@@ -3705,8 +3799,8 @@
         </p:blipFill>
         <p:spPr>
           <a:xfrm>
-            <a:off x="10644044" y="161438"/>
-            <a:ext cx="941268" cy="1004019"/>
+            <a:off x="11353166" y="161439"/>
+            <a:ext cx="1003977" cy="1004019"/>
           </a:xfrm>
           <a:prstGeom prst="rect">
             <a:avLst/>
@@ -3731,8 +3825,8 @@
         </p:nvSpPr>
         <p:spPr>
           <a:xfrm>
-            <a:off x="-2" y="3084409"/>
-            <a:ext cx="6071490" cy="798039"/>
+            <a:off x="-2" y="3084410"/>
+            <a:ext cx="6475982" cy="798039"/>
           </a:xfrm>
           <a:prstGeom prst="rect">
             <a:avLst/>
@@ -3786,8 +3880,8 @@
         </p:blipFill>
         <p:spPr bwMode="auto">
           <a:xfrm>
-            <a:off x="8177862" y="1817557"/>
-            <a:ext cx="2466182" cy="3416010"/>
+            <a:off x="8722683" y="1817557"/>
+            <a:ext cx="2630483" cy="3416010"/>
           </a:xfrm>
           <a:prstGeom prst="rect">
             <a:avLst/>
@@ -3822,8 +3916,8 @@
         </p:nvSpPr>
         <p:spPr>
           <a:xfrm>
-            <a:off x="591646" y="-2762793"/>
-            <a:ext cx="6889112" cy="1656120"/>
+            <a:off x="631062" y="-2762793"/>
+            <a:ext cx="7348075" cy="1656120"/>
           </a:xfrm>
           <a:prstGeom prst="rect">
             <a:avLst/>
@@ -3855,7 +3949,7 @@
     </p:spTree>
     <p:extLst>
       <p:ext uri="{BB962C8B-B14F-4D97-AF65-F5344CB8AC3E}">
-        <p14:creationId xmlns:p14="http://schemas.microsoft.com/office/powerpoint/2010/main" val="123612071"/>
+        <p14:creationId xmlns:p14="http://schemas.microsoft.com/office/powerpoint/2010/main" val="2298354994"/>
       </p:ext>
     </p:extLst>
   </p:cSld>
@@ -3900,7 +3994,7 @@
         <p:spPr>
           <a:xfrm>
             <a:off x="1" y="15600"/>
-            <a:ext cx="11699876" cy="7019925"/>
+            <a:ext cx="12479339" cy="7019925"/>
           </a:xfrm>
           <a:prstGeom prst="rect">
             <a:avLst/>
@@ -3956,8 +4050,8 @@
         </p:nvSpPr>
         <p:spPr>
           <a:xfrm rot="10800000" flipH="1">
-            <a:off x="0" y="-490"/>
-            <a:ext cx="8537671" cy="7020415"/>
+            <a:off x="1" y="-490"/>
+            <a:ext cx="9106463" cy="7020415"/>
           </a:xfrm>
           <a:custGeom>
             <a:avLst/>
@@ -4050,8 +4144,8 @@
         </p:nvSpPr>
         <p:spPr>
           <a:xfrm rot="10800000" flipH="1">
-            <a:off x="1" y="-489"/>
-            <a:ext cx="7769447" cy="7020415"/>
+            <a:off x="2" y="-489"/>
+            <a:ext cx="8287059" cy="7020415"/>
           </a:xfrm>
           <a:custGeom>
             <a:avLst/>
@@ -4153,8 +4247,8 @@
         </p:blipFill>
         <p:spPr>
           <a:xfrm>
-            <a:off x="10644044" y="161438"/>
-            <a:ext cx="941268" cy="1004019"/>
+            <a:off x="11353166" y="161439"/>
+            <a:ext cx="1003977" cy="1004019"/>
           </a:xfrm>
           <a:prstGeom prst="rect">
             <a:avLst/>
@@ -4194,8 +4288,8 @@
         </p:blipFill>
         <p:spPr bwMode="auto">
           <a:xfrm>
-            <a:off x="8177862" y="1817557"/>
-            <a:ext cx="2466182" cy="3416010"/>
+            <a:off x="8722683" y="1817557"/>
+            <a:ext cx="2630483" cy="3416010"/>
           </a:xfrm>
           <a:prstGeom prst="rect">
             <a:avLst/>
@@ -4230,8 +4324,8 @@
         </p:nvSpPr>
         <p:spPr>
           <a:xfrm>
-            <a:off x="1771363" y="2271332"/>
-            <a:ext cx="2497473" cy="2476773"/>
+            <a:off x="1889375" y="2271333"/>
+            <a:ext cx="2663858" cy="2476773"/>
           </a:xfrm>
           <a:prstGeom prst="rect">
             <a:avLst/>
@@ -4300,8 +4394,8 @@
         </p:nvSpPr>
         <p:spPr>
           <a:xfrm>
-            <a:off x="216532" y="161438"/>
-            <a:ext cx="10091142" cy="937549"/>
+            <a:off x="230958" y="161439"/>
+            <a:ext cx="10763429" cy="937549"/>
           </a:xfrm>
           <a:prstGeom prst="rect">
             <a:avLst/>
@@ -4331,7 +4425,7 @@
     </p:spTree>
     <p:extLst>
       <p:ext uri="{BB962C8B-B14F-4D97-AF65-F5344CB8AC3E}">
-        <p14:creationId xmlns:p14="http://schemas.microsoft.com/office/powerpoint/2010/main" val="1269722210"/>
+        <p14:creationId xmlns:p14="http://schemas.microsoft.com/office/powerpoint/2010/main" val="2568481019"/>
       </p:ext>
     </p:extLst>
   </p:cSld>
@@ -4398,8 +4492,8 @@
         </p:nvSpPr>
         <p:spPr>
           <a:xfrm>
-            <a:off x="299809" y="46150"/>
-            <a:ext cx="10018018" cy="1116038"/>
+            <a:off x="319783" y="46150"/>
+            <a:ext cx="10685433" cy="1116038"/>
           </a:xfrm>
           <a:prstGeom prst="rect">
             <a:avLst/>
@@ -4443,8 +4537,8 @@
         </p:nvSpPr>
         <p:spPr>
           <a:xfrm>
-            <a:off x="299809" y="1341586"/>
-            <a:ext cx="11107569" cy="4833024"/>
+            <a:off x="319783" y="1341586"/>
+            <a:ext cx="11847572" cy="4833024"/>
           </a:xfrm>
           <a:prstGeom prst="rect">
             <a:avLst/>
@@ -4508,8 +4602,8 @@
         </p:nvSpPr>
         <p:spPr>
           <a:xfrm>
-            <a:off x="0" y="1208987"/>
-            <a:ext cx="11699875" cy="5113821"/>
+            <a:off x="1" y="1208988"/>
+            <a:ext cx="12479338" cy="5113821"/>
           </a:xfrm>
           <a:prstGeom prst="rect">
             <a:avLst/>
@@ -4570,8 +4664,8 @@
         </p:blipFill>
         <p:spPr>
           <a:xfrm>
-            <a:off x="11048461" y="6412832"/>
-            <a:ext cx="446667" cy="476445"/>
+            <a:off x="11784526" y="6412833"/>
+            <a:ext cx="476425" cy="476445"/>
           </a:xfrm>
           <a:prstGeom prst="rect">
             <a:avLst/>
@@ -4611,8 +4705,8 @@
         </p:blipFill>
         <p:spPr bwMode="auto">
           <a:xfrm flipH="1">
-            <a:off x="10735866" y="139098"/>
-            <a:ext cx="671512" cy="930140"/>
+            <a:off x="11451105" y="139098"/>
+            <a:ext cx="716249" cy="930140"/>
           </a:xfrm>
           <a:prstGeom prst="rect">
             <a:avLst/>
@@ -4750,8 +4844,8 @@
           <a:lstStyle/>
           <a:p>
             <a:fld id="{C764DE79-268F-4C1A-8933-263129D2AF90}" type="datetimeFigureOut">
-              <a:rPr lang="en-US" dirty="0"/>
-              <a:t>9/9/2025</a:t>
+              <a:rPr lang="en-US" smtClean="0"/>
+              <a:t>9/24/2025</a:t>
             </a:fld>
             <a:endParaRPr lang="en-US" dirty="0"/>
           </a:p>
@@ -4792,7 +4886,7 @@
           <a:lstStyle/>
           <a:p>
             <a:fld id="{48F63A3B-78C7-47BE-AE5E-E10140E04643}" type="slidenum">
-              <a:rPr lang="en-US" dirty="0"/>
+              <a:rPr lang="en-US" smtClean="0"/>
               <a:t>‹#›</a:t>
             </a:fld>
             <a:endParaRPr lang="en-US" dirty="0"/>
@@ -4804,7 +4898,7 @@
           <p:cNvPr id="7" name="Rectangle 6">
             <a:extLst>
               <a:ext uri="{FF2B5EF4-FFF2-40B4-BE49-F238E27FC236}">
-                <a16:creationId xmlns:a16="http://schemas.microsoft.com/office/drawing/2014/main" id="{B9E06FA0-0012-8042-B575-1200841AE895}"/>
+                <a16:creationId xmlns:a16="http://schemas.microsoft.com/office/drawing/2014/main" id="{1AD448DD-83BF-04D1-00D7-332D3EB62F0B}"/>
               </a:ext>
               <a:ext uri="{C183D7F6-B498-43B3-948B-1728B52AA6E4}">
                 <adec:decorative xmlns:adec="http://schemas.microsoft.com/office/drawing/2017/decorative" val="1"/>
@@ -4816,8 +4910,8 @@
         </p:nvSpPr>
         <p:spPr>
           <a:xfrm>
-            <a:off x="0" y="1208987"/>
-            <a:ext cx="11699875" cy="5113821"/>
+            <a:off x="1" y="1208988"/>
+            <a:ext cx="12479338" cy="5113821"/>
           </a:xfrm>
           <a:prstGeom prst="rect">
             <a:avLst/>
@@ -4859,7 +4953,7 @@
           <p:cNvPr id="8" name="Google Shape;233;p1">
             <a:extLst>
               <a:ext uri="{FF2B5EF4-FFF2-40B4-BE49-F238E27FC236}">
-                <a16:creationId xmlns:a16="http://schemas.microsoft.com/office/drawing/2014/main" id="{0FD703A0-D4E7-4DF4-DD51-BDBE4740F1EC}"/>
+                <a16:creationId xmlns:a16="http://schemas.microsoft.com/office/drawing/2014/main" id="{A230A1CE-4CC0-4238-1A65-B13BBAA91995}"/>
               </a:ext>
               <a:ext uri="{C183D7F6-B498-43B3-948B-1728B52AA6E4}">
                 <adec:decorative xmlns:adec="http://schemas.microsoft.com/office/drawing/2017/decorative" val="1"/>
@@ -4878,8 +4972,8 @@
         </p:blipFill>
         <p:spPr>
           <a:xfrm>
-            <a:off x="11048461" y="6412832"/>
-            <a:ext cx="446667" cy="476445"/>
+            <a:off x="11784526" y="6412833"/>
+            <a:ext cx="476425" cy="476445"/>
           </a:xfrm>
           <a:prstGeom prst="rect">
             <a:avLst/>
@@ -4895,7 +4989,7 @@
           <p:cNvPr id="9" name="Picture 12" descr="Power Agent Conference 2025">
             <a:extLst>
               <a:ext uri="{FF2B5EF4-FFF2-40B4-BE49-F238E27FC236}">
-                <a16:creationId xmlns:a16="http://schemas.microsoft.com/office/drawing/2014/main" id="{75355503-577C-D80A-3C8F-C0D31975A77D}"/>
+                <a16:creationId xmlns:a16="http://schemas.microsoft.com/office/drawing/2014/main" id="{EBF9A3DE-6457-598F-F74D-EDD9D9A8BF7C}"/>
               </a:ext>
             </a:extLst>
           </p:cNvPr>
@@ -4919,8 +5013,8 @@
         </p:blipFill>
         <p:spPr bwMode="auto">
           <a:xfrm flipH="1">
-            <a:off x="10735866" y="139098"/>
-            <a:ext cx="671512" cy="930140"/>
+            <a:off x="11451105" y="139098"/>
+            <a:ext cx="716249" cy="930140"/>
           </a:xfrm>
           <a:prstGeom prst="rect">
             <a:avLst/>
@@ -4940,7 +5034,7 @@
     </p:spTree>
     <p:extLst>
       <p:ext uri="{BB962C8B-B14F-4D97-AF65-F5344CB8AC3E}">
-        <p14:creationId xmlns:p14="http://schemas.microsoft.com/office/powerpoint/2010/main" val="858005573"/>
+        <p14:creationId xmlns:p14="http://schemas.microsoft.com/office/powerpoint/2010/main" val="780597219"/>
       </p:ext>
     </p:extLst>
   </p:cSld>
@@ -4979,15 +5073,15 @@
         </p:nvSpPr>
         <p:spPr>
           <a:xfrm>
-            <a:off x="798273" y="1750107"/>
-            <a:ext cx="10091142" cy="2920093"/>
+            <a:off x="851455" y="1750107"/>
+            <a:ext cx="10763429" cy="2920093"/>
           </a:xfrm>
         </p:spPr>
         <p:txBody>
           <a:bodyPr anchor="b"/>
           <a:lstStyle>
             <a:lvl1pPr>
-              <a:defRPr sz="5758"/>
+              <a:defRPr sz="6142"/>
             </a:lvl1pPr>
           </a:lstStyle>
           <a:p>
@@ -5011,8 +5105,8 @@
         </p:nvSpPr>
         <p:spPr>
           <a:xfrm>
-            <a:off x="798273" y="4697826"/>
-            <a:ext cx="10091142" cy="1535608"/>
+            <a:off x="851455" y="4697826"/>
+            <a:ext cx="10763429" cy="1535608"/>
           </a:xfrm>
         </p:spPr>
         <p:txBody>
@@ -5020,7 +5114,7 @@
           <a:lstStyle>
             <a:lvl1pPr marL="0" indent="0">
               <a:buNone/>
-              <a:defRPr sz="2303">
+              <a:defRPr sz="2457">
                 <a:solidFill>
                   <a:schemeClr val="tx1">
                     <a:tint val="82000"/>
@@ -5028,9 +5122,9 @@
                 </a:solidFill>
               </a:defRPr>
             </a:lvl1pPr>
-            <a:lvl2pPr marL="438729" indent="0">
+            <a:lvl2pPr marL="467990" indent="0">
               <a:buNone/>
-              <a:defRPr sz="1919">
+              <a:defRPr sz="2047">
                 <a:solidFill>
                   <a:schemeClr val="tx1">
                     <a:tint val="82000"/>
@@ -5038,9 +5132,9 @@
                 </a:solidFill>
               </a:defRPr>
             </a:lvl2pPr>
-            <a:lvl3pPr marL="877458" indent="0">
+            <a:lvl3pPr marL="935980" indent="0">
               <a:buNone/>
-              <a:defRPr sz="1727">
+              <a:defRPr sz="1842">
                 <a:solidFill>
                   <a:schemeClr val="tx1">
                     <a:tint val="82000"/>
@@ -5048,9 +5142,9 @@
                 </a:solidFill>
               </a:defRPr>
             </a:lvl3pPr>
-            <a:lvl4pPr marL="1316187" indent="0">
+            <a:lvl4pPr marL="1403970" indent="0">
               <a:buNone/>
-              <a:defRPr sz="1535">
+              <a:defRPr sz="1638">
                 <a:solidFill>
                   <a:schemeClr val="tx1">
                     <a:tint val="82000"/>
@@ -5058,9 +5152,9 @@
                 </a:solidFill>
               </a:defRPr>
             </a:lvl4pPr>
-            <a:lvl5pPr marL="1754916" indent="0">
+            <a:lvl5pPr marL="1871960" indent="0">
               <a:buNone/>
-              <a:defRPr sz="1535">
+              <a:defRPr sz="1638">
                 <a:solidFill>
                   <a:schemeClr val="tx1">
                     <a:tint val="82000"/>
@@ -5068,9 +5162,9 @@
                 </a:solidFill>
               </a:defRPr>
             </a:lvl5pPr>
-            <a:lvl6pPr marL="2193646" indent="0">
+            <a:lvl6pPr marL="2339950" indent="0">
               <a:buNone/>
-              <a:defRPr sz="1535">
+              <a:defRPr sz="1638">
                 <a:solidFill>
                   <a:schemeClr val="tx1">
                     <a:tint val="82000"/>
@@ -5078,9 +5172,9 @@
                 </a:solidFill>
               </a:defRPr>
             </a:lvl6pPr>
-            <a:lvl7pPr marL="2632375" indent="0">
+            <a:lvl7pPr marL="2807940" indent="0">
               <a:buNone/>
-              <a:defRPr sz="1535">
+              <a:defRPr sz="1638">
                 <a:solidFill>
                   <a:schemeClr val="tx1">
                     <a:tint val="82000"/>
@@ -5088,9 +5182,9 @@
                 </a:solidFill>
               </a:defRPr>
             </a:lvl7pPr>
-            <a:lvl8pPr marL="3071104" indent="0">
+            <a:lvl8pPr marL="3275929" indent="0">
               <a:buNone/>
-              <a:defRPr sz="1535">
+              <a:defRPr sz="1638">
                 <a:solidFill>
                   <a:schemeClr val="tx1">
                     <a:tint val="82000"/>
@@ -5098,9 +5192,9 @@
                 </a:solidFill>
               </a:defRPr>
             </a:lvl8pPr>
-            <a:lvl9pPr marL="3509833" indent="0">
+            <a:lvl9pPr marL="3743919" indent="0">
               <a:buNone/>
-              <a:defRPr sz="1535">
+              <a:defRPr sz="1638">
                 <a:solidFill>
                   <a:schemeClr val="tx1">
                     <a:tint val="82000"/>
@@ -5134,8 +5228,8 @@
           <a:lstStyle/>
           <a:p>
             <a:fld id="{C764DE79-268F-4C1A-8933-263129D2AF90}" type="datetimeFigureOut">
-              <a:rPr lang="en-US" dirty="0"/>
-              <a:t>9/9/2025</a:t>
+              <a:rPr lang="en-US" smtClean="0"/>
+              <a:t>9/24/2025</a:t>
             </a:fld>
             <a:endParaRPr lang="en-US" dirty="0"/>
           </a:p>
@@ -5176,7 +5270,7 @@
           <a:lstStyle/>
           <a:p>
             <a:fld id="{48F63A3B-78C7-47BE-AE5E-E10140E04643}" type="slidenum">
-              <a:rPr lang="en-US" dirty="0"/>
+              <a:rPr lang="en-US" smtClean="0"/>
               <a:t>‹#›</a:t>
             </a:fld>
             <a:endParaRPr lang="en-US" dirty="0"/>
@@ -5186,7 +5280,7 @@
     </p:spTree>
     <p:extLst>
       <p:ext uri="{BB962C8B-B14F-4D97-AF65-F5344CB8AC3E}">
-        <p14:creationId xmlns:p14="http://schemas.microsoft.com/office/powerpoint/2010/main" val="4192218874"/>
+        <p14:creationId xmlns:p14="http://schemas.microsoft.com/office/powerpoint/2010/main" val="2430409709"/>
       </p:ext>
     </p:extLst>
   </p:cSld>
@@ -5248,8 +5342,8 @@
         </p:nvSpPr>
         <p:spPr>
           <a:xfrm>
-            <a:off x="804366" y="1868730"/>
-            <a:ext cx="4972447" cy="4454078"/>
+            <a:off x="857954" y="1868730"/>
+            <a:ext cx="5303719" cy="4454078"/>
           </a:xfrm>
         </p:spPr>
         <p:txBody>
@@ -5305,8 +5399,8 @@
         </p:nvSpPr>
         <p:spPr>
           <a:xfrm>
-            <a:off x="5923062" y="1868730"/>
-            <a:ext cx="4972447" cy="4454078"/>
+            <a:off x="6317665" y="1868730"/>
+            <a:ext cx="5303719" cy="4454078"/>
           </a:xfrm>
         </p:spPr>
         <p:txBody>
@@ -5366,8 +5460,8 @@
           <a:lstStyle/>
           <a:p>
             <a:fld id="{C764DE79-268F-4C1A-8933-263129D2AF90}" type="datetimeFigureOut">
-              <a:rPr lang="en-US" dirty="0"/>
-              <a:t>9/9/2025</a:t>
+              <a:rPr lang="en-US" smtClean="0"/>
+              <a:t>9/24/2025</a:t>
             </a:fld>
             <a:endParaRPr lang="en-US" dirty="0"/>
           </a:p>
@@ -5408,7 +5502,7 @@
           <a:lstStyle/>
           <a:p>
             <a:fld id="{48F63A3B-78C7-47BE-AE5E-E10140E04643}" type="slidenum">
-              <a:rPr lang="en-US" dirty="0"/>
+              <a:rPr lang="en-US" smtClean="0"/>
               <a:t>‹#›</a:t>
             </a:fld>
             <a:endParaRPr lang="en-US" dirty="0"/>
@@ -5418,7 +5512,7 @@
     </p:spTree>
     <p:extLst>
       <p:ext uri="{BB962C8B-B14F-4D97-AF65-F5344CB8AC3E}">
-        <p14:creationId xmlns:p14="http://schemas.microsoft.com/office/powerpoint/2010/main" val="2296475165"/>
+        <p14:creationId xmlns:p14="http://schemas.microsoft.com/office/powerpoint/2010/main" val="2816765869"/>
       </p:ext>
     </p:extLst>
   </p:cSld>
@@ -5457,8 +5551,8 @@
         </p:nvSpPr>
         <p:spPr>
           <a:xfrm>
-            <a:off x="805890" y="373747"/>
-            <a:ext cx="10091142" cy="1356861"/>
+            <a:off x="859580" y="373747"/>
+            <a:ext cx="10763429" cy="1356861"/>
           </a:xfrm>
         </p:spPr>
         <p:txBody>
@@ -5485,8 +5579,8 @@
         </p:nvSpPr>
         <p:spPr>
           <a:xfrm>
-            <a:off x="805891" y="1720857"/>
-            <a:ext cx="4949595" cy="843365"/>
+            <a:off x="859581" y="1720857"/>
+            <a:ext cx="5279344" cy="843365"/>
           </a:xfrm>
         </p:spPr>
         <p:txBody>
@@ -5494,39 +5588,39 @@
           <a:lstStyle>
             <a:lvl1pPr marL="0" indent="0">
               <a:buNone/>
-              <a:defRPr sz="2303" b="1"/>
+              <a:defRPr sz="2457" b="1"/>
             </a:lvl1pPr>
-            <a:lvl2pPr marL="438729" indent="0">
+            <a:lvl2pPr marL="467990" indent="0">
               <a:buNone/>
-              <a:defRPr sz="1919" b="1"/>
+              <a:defRPr sz="2047" b="1"/>
             </a:lvl2pPr>
-            <a:lvl3pPr marL="877458" indent="0">
+            <a:lvl3pPr marL="935980" indent="0">
               <a:buNone/>
-              <a:defRPr sz="1727" b="1"/>
+              <a:defRPr sz="1842" b="1"/>
             </a:lvl3pPr>
-            <a:lvl4pPr marL="1316187" indent="0">
+            <a:lvl4pPr marL="1403970" indent="0">
               <a:buNone/>
-              <a:defRPr sz="1535" b="1"/>
+              <a:defRPr sz="1638" b="1"/>
             </a:lvl4pPr>
-            <a:lvl5pPr marL="1754916" indent="0">
+            <a:lvl5pPr marL="1871960" indent="0">
               <a:buNone/>
-              <a:defRPr sz="1535" b="1"/>
+              <a:defRPr sz="1638" b="1"/>
             </a:lvl5pPr>
-            <a:lvl6pPr marL="2193646" indent="0">
+            <a:lvl6pPr marL="2339950" indent="0">
               <a:buNone/>
-              <a:defRPr sz="1535" b="1"/>
+              <a:defRPr sz="1638" b="1"/>
             </a:lvl6pPr>
-            <a:lvl7pPr marL="2632375" indent="0">
+            <a:lvl7pPr marL="2807940" indent="0">
               <a:buNone/>
-              <a:defRPr sz="1535" b="1"/>
+              <a:defRPr sz="1638" b="1"/>
             </a:lvl7pPr>
-            <a:lvl8pPr marL="3071104" indent="0">
+            <a:lvl8pPr marL="3275929" indent="0">
               <a:buNone/>
-              <a:defRPr sz="1535" b="1"/>
+              <a:defRPr sz="1638" b="1"/>
             </a:lvl8pPr>
-            <a:lvl9pPr marL="3509833" indent="0">
+            <a:lvl9pPr marL="3743919" indent="0">
               <a:buNone/>
-              <a:defRPr sz="1535" b="1"/>
+              <a:defRPr sz="1638" b="1"/>
             </a:lvl9pPr>
           </a:lstStyle>
           <a:p>
@@ -5550,8 +5644,8 @@
         </p:nvSpPr>
         <p:spPr>
           <a:xfrm>
-            <a:off x="805891" y="2564223"/>
-            <a:ext cx="4949595" cy="3771585"/>
+            <a:off x="859581" y="2564223"/>
+            <a:ext cx="5279344" cy="3771585"/>
           </a:xfrm>
         </p:spPr>
         <p:txBody>
@@ -5607,8 +5701,8 @@
         </p:nvSpPr>
         <p:spPr>
           <a:xfrm>
-            <a:off x="5923062" y="1720857"/>
-            <a:ext cx="4973971" cy="843365"/>
+            <a:off x="6317665" y="1720857"/>
+            <a:ext cx="5305344" cy="843365"/>
           </a:xfrm>
         </p:spPr>
         <p:txBody>
@@ -5616,39 +5710,39 @@
           <a:lstStyle>
             <a:lvl1pPr marL="0" indent="0">
               <a:buNone/>
-              <a:defRPr sz="2303" b="1"/>
+              <a:defRPr sz="2457" b="1"/>
             </a:lvl1pPr>
-            <a:lvl2pPr marL="438729" indent="0">
+            <a:lvl2pPr marL="467990" indent="0">
               <a:buNone/>
-              <a:defRPr sz="1919" b="1"/>
+              <a:defRPr sz="2047" b="1"/>
             </a:lvl2pPr>
-            <a:lvl3pPr marL="877458" indent="0">
+            <a:lvl3pPr marL="935980" indent="0">
               <a:buNone/>
-              <a:defRPr sz="1727" b="1"/>
+              <a:defRPr sz="1842" b="1"/>
             </a:lvl3pPr>
-            <a:lvl4pPr marL="1316187" indent="0">
+            <a:lvl4pPr marL="1403970" indent="0">
               <a:buNone/>
-              <a:defRPr sz="1535" b="1"/>
+              <a:defRPr sz="1638" b="1"/>
             </a:lvl4pPr>
-            <a:lvl5pPr marL="1754916" indent="0">
+            <a:lvl5pPr marL="1871960" indent="0">
               <a:buNone/>
-              <a:defRPr sz="1535" b="1"/>
+              <a:defRPr sz="1638" b="1"/>
             </a:lvl5pPr>
-            <a:lvl6pPr marL="2193646" indent="0">
+            <a:lvl6pPr marL="2339950" indent="0">
               <a:buNone/>
-              <a:defRPr sz="1535" b="1"/>
+              <a:defRPr sz="1638" b="1"/>
             </a:lvl6pPr>
-            <a:lvl7pPr marL="2632375" indent="0">
+            <a:lvl7pPr marL="2807940" indent="0">
               <a:buNone/>
-              <a:defRPr sz="1535" b="1"/>
+              <a:defRPr sz="1638" b="1"/>
             </a:lvl7pPr>
-            <a:lvl8pPr marL="3071104" indent="0">
+            <a:lvl8pPr marL="3275929" indent="0">
               <a:buNone/>
-              <a:defRPr sz="1535" b="1"/>
+              <a:defRPr sz="1638" b="1"/>
             </a:lvl8pPr>
-            <a:lvl9pPr marL="3509833" indent="0">
+            <a:lvl9pPr marL="3743919" indent="0">
               <a:buNone/>
-              <a:defRPr sz="1535" b="1"/>
+              <a:defRPr sz="1638" b="1"/>
             </a:lvl9pPr>
           </a:lstStyle>
           <a:p>
@@ -5672,8 +5766,8 @@
         </p:nvSpPr>
         <p:spPr>
           <a:xfrm>
-            <a:off x="5923062" y="2564223"/>
-            <a:ext cx="4973971" cy="3771585"/>
+            <a:off x="6317665" y="2564223"/>
+            <a:ext cx="5305344" cy="3771585"/>
           </a:xfrm>
         </p:spPr>
         <p:txBody>
@@ -5733,8 +5827,8 @@
           <a:lstStyle/>
           <a:p>
             <a:fld id="{C764DE79-268F-4C1A-8933-263129D2AF90}" type="datetimeFigureOut">
-              <a:rPr lang="en-US" dirty="0"/>
-              <a:t>9/9/2025</a:t>
+              <a:rPr lang="en-US" smtClean="0"/>
+              <a:t>9/24/2025</a:t>
             </a:fld>
             <a:endParaRPr lang="en-US" dirty="0"/>
           </a:p>
@@ -5775,7 +5869,7 @@
           <a:lstStyle/>
           <a:p>
             <a:fld id="{48F63A3B-78C7-47BE-AE5E-E10140E04643}" type="slidenum">
-              <a:rPr lang="en-US" dirty="0"/>
+              <a:rPr lang="en-US" smtClean="0"/>
               <a:t>‹#›</a:t>
             </a:fld>
             <a:endParaRPr lang="en-US" dirty="0"/>
@@ -5785,7 +5879,7 @@
     </p:spTree>
     <p:extLst>
       <p:ext uri="{BB962C8B-B14F-4D97-AF65-F5344CB8AC3E}">
-        <p14:creationId xmlns:p14="http://schemas.microsoft.com/office/powerpoint/2010/main" val="4090806864"/>
+        <p14:creationId xmlns:p14="http://schemas.microsoft.com/office/powerpoint/2010/main" val="3174294891"/>
       </p:ext>
     </p:extLst>
   </p:cSld>
@@ -5851,8 +5945,8 @@
           <a:lstStyle/>
           <a:p>
             <a:fld id="{C764DE79-268F-4C1A-8933-263129D2AF90}" type="datetimeFigureOut">
-              <a:rPr lang="en-US" dirty="0"/>
-              <a:t>9/9/2025</a:t>
+              <a:rPr lang="en-US" smtClean="0"/>
+              <a:t>9/24/2025</a:t>
             </a:fld>
             <a:endParaRPr lang="en-US" dirty="0"/>
           </a:p>
@@ -5893,7 +5987,7 @@
           <a:lstStyle/>
           <a:p>
             <a:fld id="{48F63A3B-78C7-47BE-AE5E-E10140E04643}" type="slidenum">
-              <a:rPr lang="en-US" dirty="0"/>
+              <a:rPr lang="en-US" smtClean="0"/>
               <a:t>‹#›</a:t>
             </a:fld>
             <a:endParaRPr lang="en-US" dirty="0"/>
@@ -5903,7 +5997,7 @@
     </p:spTree>
     <p:extLst>
       <p:ext uri="{BB962C8B-B14F-4D97-AF65-F5344CB8AC3E}">
-        <p14:creationId xmlns:p14="http://schemas.microsoft.com/office/powerpoint/2010/main" val="2852751717"/>
+        <p14:creationId xmlns:p14="http://schemas.microsoft.com/office/powerpoint/2010/main" val="2513069034"/>
       </p:ext>
     </p:extLst>
   </p:cSld>
@@ -5946,8 +6040,8 @@
           <a:lstStyle/>
           <a:p>
             <a:fld id="{C764DE79-268F-4C1A-8933-263129D2AF90}" type="datetimeFigureOut">
-              <a:rPr lang="en-US" dirty="0"/>
-              <a:t>9/9/2025</a:t>
+              <a:rPr lang="en-US" smtClean="0"/>
+              <a:t>9/24/2025</a:t>
             </a:fld>
             <a:endParaRPr lang="en-US" dirty="0"/>
           </a:p>
@@ -5988,7 +6082,7 @@
           <a:lstStyle/>
           <a:p>
             <a:fld id="{48F63A3B-78C7-47BE-AE5E-E10140E04643}" type="slidenum">
-              <a:rPr lang="en-US" dirty="0"/>
+              <a:rPr lang="en-US" smtClean="0"/>
               <a:t>‹#›</a:t>
             </a:fld>
             <a:endParaRPr lang="en-US" dirty="0"/>
@@ -5998,7 +6092,7 @@
     </p:spTree>
     <p:extLst>
       <p:ext uri="{BB962C8B-B14F-4D97-AF65-F5344CB8AC3E}">
-        <p14:creationId xmlns:p14="http://schemas.microsoft.com/office/powerpoint/2010/main" val="135019014"/>
+        <p14:creationId xmlns:p14="http://schemas.microsoft.com/office/powerpoint/2010/main" val="539475009"/>
       </p:ext>
     </p:extLst>
   </p:cSld>
@@ -6037,15 +6131,15 @@
         </p:nvSpPr>
         <p:spPr>
           <a:xfrm>
-            <a:off x="805891" y="467995"/>
-            <a:ext cx="3773514" cy="1637983"/>
+            <a:off x="859580" y="467995"/>
+            <a:ext cx="4024911" cy="1637983"/>
           </a:xfrm>
         </p:spPr>
         <p:txBody>
           <a:bodyPr anchor="b"/>
           <a:lstStyle>
             <a:lvl1pPr>
-              <a:defRPr sz="3071"/>
+              <a:defRPr sz="3276"/>
             </a:lvl1pPr>
           </a:lstStyle>
           <a:p>
@@ -6069,39 +6163,39 @@
         </p:nvSpPr>
         <p:spPr>
           <a:xfrm>
-            <a:off x="4973971" y="1010740"/>
-            <a:ext cx="5923062" cy="4988697"/>
+            <a:off x="5305344" y="1010740"/>
+            <a:ext cx="6317665" cy="4988697"/>
           </a:xfrm>
         </p:spPr>
         <p:txBody>
           <a:bodyPr/>
           <a:lstStyle>
             <a:lvl1pPr>
-              <a:defRPr sz="3071"/>
+              <a:defRPr sz="3276"/>
             </a:lvl1pPr>
             <a:lvl2pPr>
-              <a:defRPr sz="2687"/>
+              <a:defRPr sz="2866"/>
             </a:lvl2pPr>
             <a:lvl3pPr>
-              <a:defRPr sz="2303"/>
+              <a:defRPr sz="2457"/>
             </a:lvl3pPr>
             <a:lvl4pPr>
-              <a:defRPr sz="1919"/>
+              <a:defRPr sz="2047"/>
             </a:lvl4pPr>
             <a:lvl5pPr>
-              <a:defRPr sz="1919"/>
+              <a:defRPr sz="2047"/>
             </a:lvl5pPr>
             <a:lvl6pPr>
-              <a:defRPr sz="1919"/>
+              <a:defRPr sz="2047"/>
             </a:lvl6pPr>
             <a:lvl7pPr>
-              <a:defRPr sz="1919"/>
+              <a:defRPr sz="2047"/>
             </a:lvl7pPr>
             <a:lvl8pPr>
-              <a:defRPr sz="1919"/>
+              <a:defRPr sz="2047"/>
             </a:lvl8pPr>
             <a:lvl9pPr>
-              <a:defRPr sz="1919"/>
+              <a:defRPr sz="2047"/>
             </a:lvl9pPr>
           </a:lstStyle>
           <a:p>
@@ -6154,8 +6248,8 @@
         </p:nvSpPr>
         <p:spPr>
           <a:xfrm>
-            <a:off x="805891" y="2105977"/>
-            <a:ext cx="3773514" cy="3901584"/>
+            <a:off x="859580" y="2105977"/>
+            <a:ext cx="4024911" cy="3901584"/>
           </a:xfrm>
         </p:spPr>
         <p:txBody>
@@ -6163,39 +6257,39 @@
           <a:lstStyle>
             <a:lvl1pPr marL="0" indent="0">
               <a:buNone/>
-              <a:defRPr sz="1535"/>
+              <a:defRPr sz="1638"/>
             </a:lvl1pPr>
-            <a:lvl2pPr marL="438729" indent="0">
+            <a:lvl2pPr marL="467990" indent="0">
               <a:buNone/>
-              <a:defRPr sz="1343"/>
+              <a:defRPr sz="1433"/>
             </a:lvl2pPr>
-            <a:lvl3pPr marL="877458" indent="0">
+            <a:lvl3pPr marL="935980" indent="0">
               <a:buNone/>
-              <a:defRPr sz="1152"/>
+              <a:defRPr sz="1228"/>
             </a:lvl3pPr>
-            <a:lvl4pPr marL="1316187" indent="0">
+            <a:lvl4pPr marL="1403970" indent="0">
               <a:buNone/>
-              <a:defRPr sz="960"/>
+              <a:defRPr sz="1024"/>
             </a:lvl4pPr>
-            <a:lvl5pPr marL="1754916" indent="0">
+            <a:lvl5pPr marL="1871960" indent="0">
               <a:buNone/>
-              <a:defRPr sz="960"/>
+              <a:defRPr sz="1024"/>
             </a:lvl5pPr>
-            <a:lvl6pPr marL="2193646" indent="0">
+            <a:lvl6pPr marL="2339950" indent="0">
               <a:buNone/>
-              <a:defRPr sz="960"/>
+              <a:defRPr sz="1024"/>
             </a:lvl6pPr>
-            <a:lvl7pPr marL="2632375" indent="0">
+            <a:lvl7pPr marL="2807940" indent="0">
               <a:buNone/>
-              <a:defRPr sz="960"/>
+              <a:defRPr sz="1024"/>
             </a:lvl7pPr>
-            <a:lvl8pPr marL="3071104" indent="0">
+            <a:lvl8pPr marL="3275929" indent="0">
               <a:buNone/>
-              <a:defRPr sz="960"/>
+              <a:defRPr sz="1024"/>
             </a:lvl8pPr>
-            <a:lvl9pPr marL="3509833" indent="0">
+            <a:lvl9pPr marL="3743919" indent="0">
               <a:buNone/>
-              <a:defRPr sz="960"/>
+              <a:defRPr sz="1024"/>
             </a:lvl9pPr>
           </a:lstStyle>
           <a:p>
@@ -6223,8 +6317,8 @@
           <a:lstStyle/>
           <a:p>
             <a:fld id="{C764DE79-268F-4C1A-8933-263129D2AF90}" type="datetimeFigureOut">
-              <a:rPr lang="en-US" dirty="0"/>
-              <a:t>9/9/2025</a:t>
+              <a:rPr lang="en-US" smtClean="0"/>
+              <a:t>9/24/2025</a:t>
             </a:fld>
             <a:endParaRPr lang="en-US" dirty="0"/>
           </a:p>
@@ -6265,7 +6359,7 @@
           <a:lstStyle/>
           <a:p>
             <a:fld id="{48F63A3B-78C7-47BE-AE5E-E10140E04643}" type="slidenum">
-              <a:rPr lang="en-US" dirty="0"/>
+              <a:rPr lang="en-US" smtClean="0"/>
               <a:t>‹#›</a:t>
             </a:fld>
             <a:endParaRPr lang="en-US" dirty="0"/>
@@ -6275,7 +6369,7 @@
     </p:spTree>
     <p:extLst>
       <p:ext uri="{BB962C8B-B14F-4D97-AF65-F5344CB8AC3E}">
-        <p14:creationId xmlns:p14="http://schemas.microsoft.com/office/powerpoint/2010/main" val="3927869155"/>
+        <p14:creationId xmlns:p14="http://schemas.microsoft.com/office/powerpoint/2010/main" val="3354344039"/>
       </p:ext>
     </p:extLst>
   </p:cSld>
@@ -6314,15 +6408,15 @@
         </p:nvSpPr>
         <p:spPr>
           <a:xfrm>
-            <a:off x="805891" y="467995"/>
-            <a:ext cx="3773514" cy="1637983"/>
+            <a:off x="859580" y="467995"/>
+            <a:ext cx="4024911" cy="1637983"/>
           </a:xfrm>
         </p:spPr>
         <p:txBody>
           <a:bodyPr anchor="b"/>
           <a:lstStyle>
             <a:lvl1pPr>
-              <a:defRPr sz="3071"/>
+              <a:defRPr sz="3276"/>
             </a:lvl1pPr>
           </a:lstStyle>
           <a:p>
@@ -6346,8 +6440,8 @@
         </p:nvSpPr>
         <p:spPr>
           <a:xfrm>
-            <a:off x="4973971" y="1010740"/>
-            <a:ext cx="5923062" cy="4988697"/>
+            <a:off x="5305344" y="1010740"/>
+            <a:ext cx="6317665" cy="4988697"/>
           </a:xfrm>
         </p:spPr>
         <p:txBody>
@@ -6355,39 +6449,39 @@
           <a:lstStyle>
             <a:lvl1pPr marL="0" indent="0">
               <a:buNone/>
-              <a:defRPr sz="3071"/>
+              <a:defRPr sz="3276"/>
             </a:lvl1pPr>
-            <a:lvl2pPr marL="438729" indent="0">
+            <a:lvl2pPr marL="467990" indent="0">
               <a:buNone/>
-              <a:defRPr sz="2687"/>
+              <a:defRPr sz="2866"/>
             </a:lvl2pPr>
-            <a:lvl3pPr marL="877458" indent="0">
+            <a:lvl3pPr marL="935980" indent="0">
               <a:buNone/>
-              <a:defRPr sz="2303"/>
+              <a:defRPr sz="2457"/>
             </a:lvl3pPr>
-            <a:lvl4pPr marL="1316187" indent="0">
+            <a:lvl4pPr marL="1403970" indent="0">
               <a:buNone/>
-              <a:defRPr sz="1919"/>
+              <a:defRPr sz="2047"/>
             </a:lvl4pPr>
-            <a:lvl5pPr marL="1754916" indent="0">
+            <a:lvl5pPr marL="1871960" indent="0">
               <a:buNone/>
-              <a:defRPr sz="1919"/>
+              <a:defRPr sz="2047"/>
             </a:lvl5pPr>
-            <a:lvl6pPr marL="2193646" indent="0">
+            <a:lvl6pPr marL="2339950" indent="0">
               <a:buNone/>
-              <a:defRPr sz="1919"/>
+              <a:defRPr sz="2047"/>
             </a:lvl6pPr>
-            <a:lvl7pPr marL="2632375" indent="0">
+            <a:lvl7pPr marL="2807940" indent="0">
               <a:buNone/>
-              <a:defRPr sz="1919"/>
+              <a:defRPr sz="2047"/>
             </a:lvl7pPr>
-            <a:lvl8pPr marL="3071104" indent="0">
+            <a:lvl8pPr marL="3275929" indent="0">
               <a:buNone/>
-              <a:defRPr sz="1919"/>
+              <a:defRPr sz="2047"/>
             </a:lvl8pPr>
-            <a:lvl9pPr marL="3509833" indent="0">
+            <a:lvl9pPr marL="3743919" indent="0">
               <a:buNone/>
-              <a:defRPr sz="1919"/>
+              <a:defRPr sz="2047"/>
             </a:lvl9pPr>
           </a:lstStyle>
           <a:p>
@@ -6411,8 +6505,8 @@
         </p:nvSpPr>
         <p:spPr>
           <a:xfrm>
-            <a:off x="805891" y="2105977"/>
-            <a:ext cx="3773514" cy="3901584"/>
+            <a:off x="859580" y="2105977"/>
+            <a:ext cx="4024911" cy="3901584"/>
           </a:xfrm>
         </p:spPr>
         <p:txBody>
@@ -6420,39 +6514,39 @@
           <a:lstStyle>
             <a:lvl1pPr marL="0" indent="0">
               <a:buNone/>
-              <a:defRPr sz="1535"/>
+              <a:defRPr sz="1638"/>
             </a:lvl1pPr>
-            <a:lvl2pPr marL="438729" indent="0">
+            <a:lvl2pPr marL="467990" indent="0">
               <a:buNone/>
-              <a:defRPr sz="1343"/>
+              <a:defRPr sz="1433"/>
             </a:lvl2pPr>
-            <a:lvl3pPr marL="877458" indent="0">
+            <a:lvl3pPr marL="935980" indent="0">
               <a:buNone/>
-              <a:defRPr sz="1152"/>
+              <a:defRPr sz="1228"/>
             </a:lvl3pPr>
-            <a:lvl4pPr marL="1316187" indent="0">
+            <a:lvl4pPr marL="1403970" indent="0">
               <a:buNone/>
-              <a:defRPr sz="960"/>
+              <a:defRPr sz="1024"/>
             </a:lvl4pPr>
-            <a:lvl5pPr marL="1754916" indent="0">
+            <a:lvl5pPr marL="1871960" indent="0">
               <a:buNone/>
-              <a:defRPr sz="960"/>
+              <a:defRPr sz="1024"/>
             </a:lvl5pPr>
-            <a:lvl6pPr marL="2193646" indent="0">
+            <a:lvl6pPr marL="2339950" indent="0">
               <a:buNone/>
-              <a:defRPr sz="960"/>
+              <a:defRPr sz="1024"/>
             </a:lvl6pPr>
-            <a:lvl7pPr marL="2632375" indent="0">
+            <a:lvl7pPr marL="2807940" indent="0">
               <a:buNone/>
-              <a:defRPr sz="960"/>
+              <a:defRPr sz="1024"/>
             </a:lvl7pPr>
-            <a:lvl8pPr marL="3071104" indent="0">
+            <a:lvl8pPr marL="3275929" indent="0">
               <a:buNone/>
-              <a:defRPr sz="960"/>
+              <a:defRPr sz="1024"/>
             </a:lvl8pPr>
-            <a:lvl9pPr marL="3509833" indent="0">
+            <a:lvl9pPr marL="3743919" indent="0">
               <a:buNone/>
-              <a:defRPr sz="960"/>
+              <a:defRPr sz="1024"/>
             </a:lvl9pPr>
           </a:lstStyle>
           <a:p>
@@ -6480,8 +6574,8 @@
           <a:lstStyle/>
           <a:p>
             <a:fld id="{C764DE79-268F-4C1A-8933-263129D2AF90}" type="datetimeFigureOut">
-              <a:rPr lang="en-US" dirty="0"/>
-              <a:t>9/9/2025</a:t>
+              <a:rPr lang="en-US" smtClean="0"/>
+              <a:t>9/24/2025</a:t>
             </a:fld>
             <a:endParaRPr lang="en-US" dirty="0"/>
           </a:p>
@@ -6522,7 +6616,7 @@
           <a:lstStyle/>
           <a:p>
             <a:fld id="{48F63A3B-78C7-47BE-AE5E-E10140E04643}" type="slidenum">
-              <a:rPr lang="en-US" dirty="0"/>
+              <a:rPr lang="en-US" smtClean="0"/>
               <a:t>‹#›</a:t>
             </a:fld>
             <a:endParaRPr lang="en-US" dirty="0"/>
@@ -6532,7 +6626,7 @@
     </p:spTree>
     <p:extLst>
       <p:ext uri="{BB962C8B-B14F-4D97-AF65-F5344CB8AC3E}">
-        <p14:creationId xmlns:p14="http://schemas.microsoft.com/office/powerpoint/2010/main" val="3803982785"/>
+        <p14:creationId xmlns:p14="http://schemas.microsoft.com/office/powerpoint/2010/main" val="663755"/>
       </p:ext>
     </p:extLst>
   </p:cSld>
@@ -6576,8 +6670,8 @@
         </p:nvSpPr>
         <p:spPr>
           <a:xfrm>
-            <a:off x="804367" y="373747"/>
-            <a:ext cx="10091142" cy="1356861"/>
+            <a:off x="857955" y="373747"/>
+            <a:ext cx="10763429" cy="1356861"/>
           </a:xfrm>
           <a:prstGeom prst="rect">
             <a:avLst/>
@@ -6609,8 +6703,8 @@
         </p:nvSpPr>
         <p:spPr>
           <a:xfrm>
-            <a:off x="804367" y="1868730"/>
-            <a:ext cx="10091142" cy="4454078"/>
+            <a:off x="857955" y="1868730"/>
+            <a:ext cx="10763429" cy="4454078"/>
           </a:xfrm>
           <a:prstGeom prst="rect">
             <a:avLst/>
@@ -6671,8 +6765,8 @@
         </p:nvSpPr>
         <p:spPr>
           <a:xfrm>
-            <a:off x="804366" y="6506431"/>
-            <a:ext cx="2632472" cy="373746"/>
+            <a:off x="857955" y="6506431"/>
+            <a:ext cx="2807851" cy="373746"/>
           </a:xfrm>
           <a:prstGeom prst="rect">
             <a:avLst/>
@@ -6682,7 +6776,7 @@
           <a:bodyPr vert="horz" lIns="91440" tIns="45720" rIns="91440" bIns="45720" rtlCol="0" anchor="ctr"/>
           <a:lstStyle>
             <a:lvl1pPr algn="l">
-              <a:defRPr sz="1152">
+              <a:defRPr sz="1228">
                 <a:solidFill>
                   <a:schemeClr val="tx1">
                     <a:tint val="82000"/>
@@ -6693,8 +6787,8 @@
           </a:lstStyle>
           <a:p>
             <a:fld id="{C764DE79-268F-4C1A-8933-263129D2AF90}" type="datetimeFigureOut">
-              <a:rPr lang="en-US" dirty="0"/>
-              <a:t>9/9/2025</a:t>
+              <a:rPr lang="en-US" smtClean="0"/>
+              <a:t>9/24/2025</a:t>
             </a:fld>
             <a:endParaRPr lang="en-US" dirty="0"/>
           </a:p>
@@ -6712,8 +6806,8 @@
         </p:nvSpPr>
         <p:spPr>
           <a:xfrm>
-            <a:off x="3875584" y="6506431"/>
-            <a:ext cx="3948708" cy="373746"/>
+            <a:off x="4133781" y="6506431"/>
+            <a:ext cx="4211777" cy="373746"/>
           </a:xfrm>
           <a:prstGeom prst="rect">
             <a:avLst/>
@@ -6723,7 +6817,7 @@
           <a:bodyPr vert="horz" lIns="91440" tIns="45720" rIns="91440" bIns="45720" rtlCol="0" anchor="ctr"/>
           <a:lstStyle>
             <a:lvl1pPr algn="ctr">
-              <a:defRPr sz="1152">
+              <a:defRPr sz="1228">
                 <a:solidFill>
                   <a:schemeClr val="tx1">
                     <a:tint val="82000"/>
@@ -6749,8 +6843,8 @@
         </p:nvSpPr>
         <p:spPr>
           <a:xfrm>
-            <a:off x="8263037" y="6506431"/>
-            <a:ext cx="2632472" cy="373746"/>
+            <a:off x="8813532" y="6506431"/>
+            <a:ext cx="2807851" cy="373746"/>
           </a:xfrm>
           <a:prstGeom prst="rect">
             <a:avLst/>
@@ -6760,7 +6854,7 @@
           <a:bodyPr vert="horz" lIns="91440" tIns="45720" rIns="91440" bIns="45720" rtlCol="0" anchor="ctr"/>
           <a:lstStyle>
             <a:lvl1pPr algn="r">
-              <a:defRPr sz="1152">
+              <a:defRPr sz="1228">
                 <a:solidFill>
                   <a:schemeClr val="tx1">
                     <a:tint val="82000"/>
@@ -6771,7 +6865,7 @@
           </a:lstStyle>
           <a:p>
             <a:fld id="{48F63A3B-78C7-47BE-AE5E-E10140E04643}" type="slidenum">
-              <a:rPr lang="en-US" dirty="0"/>
+              <a:rPr lang="en-US" smtClean="0"/>
               <a:t>‹#›</a:t>
             </a:fld>
             <a:endParaRPr lang="en-US" dirty="0"/>
@@ -6781,33 +6875,33 @@
     </p:spTree>
     <p:extLst>
       <p:ext uri="{BB962C8B-B14F-4D97-AF65-F5344CB8AC3E}">
-        <p14:creationId xmlns:p14="http://schemas.microsoft.com/office/powerpoint/2010/main" val="3157349918"/>
+        <p14:creationId xmlns:p14="http://schemas.microsoft.com/office/powerpoint/2010/main" val="1951878782"/>
       </p:ext>
     </p:extLst>
   </p:cSld>
   <p:clrMap bg1="lt1" tx1="dk1" bg2="lt2" tx2="dk2" accent1="accent1" accent2="accent2" accent3="accent3" accent4="accent4" accent5="accent5" accent6="accent6" hlink="hlink" folHlink="folHlink"/>
   <p:sldLayoutIdLst>
-    <p:sldLayoutId id="2147483662" r:id="rId1"/>
-    <p:sldLayoutId id="2147483663" r:id="rId2"/>
-    <p:sldLayoutId id="2147483664" r:id="rId3"/>
-    <p:sldLayoutId id="2147483665" r:id="rId4"/>
-    <p:sldLayoutId id="2147483666" r:id="rId5"/>
-    <p:sldLayoutId id="2147483667" r:id="rId6"/>
-    <p:sldLayoutId id="2147483668" r:id="rId7"/>
-    <p:sldLayoutId id="2147483669" r:id="rId8"/>
-    <p:sldLayoutId id="2147483670" r:id="rId9"/>
-    <p:sldLayoutId id="2147483671" r:id="rId10"/>
-    <p:sldLayoutId id="2147483672" r:id="rId11"/>
-    <p:sldLayoutId id="2147483673" r:id="rId12"/>
-    <p:sldLayoutId id="2147483674" r:id="rId13"/>
-    <p:sldLayoutId id="2147483675" r:id="rId14"/>
-    <p:sldLayoutId id="2147483676" r:id="rId15"/>
-    <p:sldLayoutId id="2147483677" r:id="rId16"/>
+    <p:sldLayoutId id="2147483679" r:id="rId1"/>
+    <p:sldLayoutId id="2147483680" r:id="rId2"/>
+    <p:sldLayoutId id="2147483681" r:id="rId3"/>
+    <p:sldLayoutId id="2147483682" r:id="rId4"/>
+    <p:sldLayoutId id="2147483683" r:id="rId5"/>
+    <p:sldLayoutId id="2147483684" r:id="rId6"/>
+    <p:sldLayoutId id="2147483685" r:id="rId7"/>
+    <p:sldLayoutId id="2147483686" r:id="rId8"/>
+    <p:sldLayoutId id="2147483687" r:id="rId9"/>
+    <p:sldLayoutId id="2147483688" r:id="rId10"/>
+    <p:sldLayoutId id="2147483689" r:id="rId11"/>
+    <p:sldLayoutId id="2147483690" r:id="rId12"/>
+    <p:sldLayoutId id="2147483691" r:id="rId13"/>
+    <p:sldLayoutId id="2147483692" r:id="rId14"/>
+    <p:sldLayoutId id="2147483693" r:id="rId15"/>
+    <p:sldLayoutId id="2147483694" r:id="rId16"/>
     <p:sldLayoutId id="2147483650" r:id="rId17"/>
   </p:sldLayoutIdLst>
   <p:txStyles>
     <p:titleStyle>
-      <a:lvl1pPr algn="l" defTabSz="877458" rtl="0" eaLnBrk="1" latinLnBrk="0" hangingPunct="1">
+      <a:lvl1pPr algn="l" defTabSz="935980" rtl="0" eaLnBrk="1" latinLnBrk="0" hangingPunct="1">
         <a:lnSpc>
           <a:spcPct val="90000"/>
         </a:lnSpc>
@@ -6815,7 +6909,7 @@
           <a:spcPct val="0"/>
         </a:spcBef>
         <a:buNone/>
-        <a:defRPr sz="4222" kern="1200">
+        <a:defRPr sz="4504" kern="1200">
           <a:solidFill>
             <a:schemeClr val="tx1"/>
           </a:solidFill>
@@ -6826,16 +6920,16 @@
       </a:lvl1pPr>
     </p:titleStyle>
     <p:bodyStyle>
-      <a:lvl1pPr marL="219365" indent="-219365" algn="l" defTabSz="877458" rtl="0" eaLnBrk="1" latinLnBrk="0" hangingPunct="1">
+      <a:lvl1pPr marL="233995" indent="-233995" algn="l" defTabSz="935980" rtl="0" eaLnBrk="1" latinLnBrk="0" hangingPunct="1">
         <a:lnSpc>
           <a:spcPct val="90000"/>
         </a:lnSpc>
         <a:spcBef>
-          <a:spcPts val="960"/>
+          <a:spcPts val="1024"/>
         </a:spcBef>
         <a:buFont typeface="Arial" panose="020B0604020202020204" pitchFamily="34" charset="0"/>
         <a:buChar char="•"/>
-        <a:defRPr sz="2687" kern="1200">
+        <a:defRPr sz="2866" kern="1200">
           <a:solidFill>
             <a:schemeClr val="tx1"/>
           </a:solidFill>
@@ -6844,16 +6938,16 @@
           <a:cs typeface="+mn-cs"/>
         </a:defRPr>
       </a:lvl1pPr>
-      <a:lvl2pPr marL="658094" indent="-219365" algn="l" defTabSz="877458" rtl="0" eaLnBrk="1" latinLnBrk="0" hangingPunct="1">
+      <a:lvl2pPr marL="701985" indent="-233995" algn="l" defTabSz="935980" rtl="0" eaLnBrk="1" latinLnBrk="0" hangingPunct="1">
         <a:lnSpc>
           <a:spcPct val="90000"/>
         </a:lnSpc>
         <a:spcBef>
-          <a:spcPts val="480"/>
+          <a:spcPts val="512"/>
         </a:spcBef>
         <a:buFont typeface="Arial" panose="020B0604020202020204" pitchFamily="34" charset="0"/>
         <a:buChar char="•"/>
-        <a:defRPr sz="2303" kern="1200">
+        <a:defRPr sz="2457" kern="1200">
           <a:solidFill>
             <a:schemeClr val="tx1"/>
           </a:solidFill>
@@ -6862,16 +6956,16 @@
           <a:cs typeface="+mn-cs"/>
         </a:defRPr>
       </a:lvl2pPr>
-      <a:lvl3pPr marL="1096823" indent="-219365" algn="l" defTabSz="877458" rtl="0" eaLnBrk="1" latinLnBrk="0" hangingPunct="1">
+      <a:lvl3pPr marL="1169975" indent="-233995" algn="l" defTabSz="935980" rtl="0" eaLnBrk="1" latinLnBrk="0" hangingPunct="1">
         <a:lnSpc>
           <a:spcPct val="90000"/>
         </a:lnSpc>
         <a:spcBef>
-          <a:spcPts val="480"/>
+          <a:spcPts val="512"/>
         </a:spcBef>
         <a:buFont typeface="Arial" panose="020B0604020202020204" pitchFamily="34" charset="0"/>
         <a:buChar char="•"/>
-        <a:defRPr sz="1919" kern="1200">
+        <a:defRPr sz="2047" kern="1200">
           <a:solidFill>
             <a:schemeClr val="tx1"/>
           </a:solidFill>
@@ -6880,16 +6974,16 @@
           <a:cs typeface="+mn-cs"/>
         </a:defRPr>
       </a:lvl3pPr>
-      <a:lvl4pPr marL="1535552" indent="-219365" algn="l" defTabSz="877458" rtl="0" eaLnBrk="1" latinLnBrk="0" hangingPunct="1">
+      <a:lvl4pPr marL="1637965" indent="-233995" algn="l" defTabSz="935980" rtl="0" eaLnBrk="1" latinLnBrk="0" hangingPunct="1">
         <a:lnSpc>
           <a:spcPct val="90000"/>
         </a:lnSpc>
         <a:spcBef>
-          <a:spcPts val="480"/>
+          <a:spcPts val="512"/>
         </a:spcBef>
         <a:buFont typeface="Arial" panose="020B0604020202020204" pitchFamily="34" charset="0"/>
         <a:buChar char="•"/>
-        <a:defRPr sz="1727" kern="1200">
+        <a:defRPr sz="1842" kern="1200">
           <a:solidFill>
             <a:schemeClr val="tx1"/>
           </a:solidFill>
@@ -6898,16 +6992,16 @@
           <a:cs typeface="+mn-cs"/>
         </a:defRPr>
       </a:lvl4pPr>
-      <a:lvl5pPr marL="1974281" indent="-219365" algn="l" defTabSz="877458" rtl="0" eaLnBrk="1" latinLnBrk="0" hangingPunct="1">
+      <a:lvl5pPr marL="2105955" indent="-233995" algn="l" defTabSz="935980" rtl="0" eaLnBrk="1" latinLnBrk="0" hangingPunct="1">
         <a:lnSpc>
           <a:spcPct val="90000"/>
         </a:lnSpc>
         <a:spcBef>
-          <a:spcPts val="480"/>
+          <a:spcPts val="512"/>
         </a:spcBef>
         <a:buFont typeface="Arial" panose="020B0604020202020204" pitchFamily="34" charset="0"/>
         <a:buChar char="•"/>
-        <a:defRPr sz="1727" kern="1200">
+        <a:defRPr sz="1842" kern="1200">
           <a:solidFill>
             <a:schemeClr val="tx1"/>
           </a:solidFill>
@@ -6916,16 +7010,16 @@
           <a:cs typeface="+mn-cs"/>
         </a:defRPr>
       </a:lvl5pPr>
-      <a:lvl6pPr marL="2413010" indent="-219365" algn="l" defTabSz="877458" rtl="0" eaLnBrk="1" latinLnBrk="0" hangingPunct="1">
+      <a:lvl6pPr marL="2573945" indent="-233995" algn="l" defTabSz="935980" rtl="0" eaLnBrk="1" latinLnBrk="0" hangingPunct="1">
         <a:lnSpc>
           <a:spcPct val="90000"/>
         </a:lnSpc>
         <a:spcBef>
-          <a:spcPts val="480"/>
+          <a:spcPts val="512"/>
         </a:spcBef>
         <a:buFont typeface="Arial" panose="020B0604020202020204" pitchFamily="34" charset="0"/>
         <a:buChar char="•"/>
-        <a:defRPr sz="1727" kern="1200">
+        <a:defRPr sz="1842" kern="1200">
           <a:solidFill>
             <a:schemeClr val="tx1"/>
           </a:solidFill>
@@ -6934,16 +7028,16 @@
           <a:cs typeface="+mn-cs"/>
         </a:defRPr>
       </a:lvl6pPr>
-      <a:lvl7pPr marL="2851739" indent="-219365" algn="l" defTabSz="877458" rtl="0" eaLnBrk="1" latinLnBrk="0" hangingPunct="1">
+      <a:lvl7pPr marL="3041934" indent="-233995" algn="l" defTabSz="935980" rtl="0" eaLnBrk="1" latinLnBrk="0" hangingPunct="1">
         <a:lnSpc>
           <a:spcPct val="90000"/>
         </a:lnSpc>
         <a:spcBef>
-          <a:spcPts val="480"/>
+          <a:spcPts val="512"/>
         </a:spcBef>
         <a:buFont typeface="Arial" panose="020B0604020202020204" pitchFamily="34" charset="0"/>
         <a:buChar char="•"/>
-        <a:defRPr sz="1727" kern="1200">
+        <a:defRPr sz="1842" kern="1200">
           <a:solidFill>
             <a:schemeClr val="tx1"/>
           </a:solidFill>
@@ -6952,16 +7046,16 @@
           <a:cs typeface="+mn-cs"/>
         </a:defRPr>
       </a:lvl7pPr>
-      <a:lvl8pPr marL="3290468" indent="-219365" algn="l" defTabSz="877458" rtl="0" eaLnBrk="1" latinLnBrk="0" hangingPunct="1">
+      <a:lvl8pPr marL="3509924" indent="-233995" algn="l" defTabSz="935980" rtl="0" eaLnBrk="1" latinLnBrk="0" hangingPunct="1">
         <a:lnSpc>
           <a:spcPct val="90000"/>
         </a:lnSpc>
         <a:spcBef>
-          <a:spcPts val="480"/>
+          <a:spcPts val="512"/>
         </a:spcBef>
         <a:buFont typeface="Arial" panose="020B0604020202020204" pitchFamily="34" charset="0"/>
         <a:buChar char="•"/>
-        <a:defRPr sz="1727" kern="1200">
+        <a:defRPr sz="1842" kern="1200">
           <a:solidFill>
             <a:schemeClr val="tx1"/>
           </a:solidFill>
@@ -6970,16 +7064,16 @@
           <a:cs typeface="+mn-cs"/>
         </a:defRPr>
       </a:lvl8pPr>
-      <a:lvl9pPr marL="3729198" indent="-219365" algn="l" defTabSz="877458" rtl="0" eaLnBrk="1" latinLnBrk="0" hangingPunct="1">
+      <a:lvl9pPr marL="3977914" indent="-233995" algn="l" defTabSz="935980" rtl="0" eaLnBrk="1" latinLnBrk="0" hangingPunct="1">
         <a:lnSpc>
           <a:spcPct val="90000"/>
         </a:lnSpc>
         <a:spcBef>
-          <a:spcPts val="480"/>
+          <a:spcPts val="512"/>
         </a:spcBef>
         <a:buFont typeface="Arial" panose="020B0604020202020204" pitchFamily="34" charset="0"/>
         <a:buChar char="•"/>
-        <a:defRPr sz="1727" kern="1200">
+        <a:defRPr sz="1842" kern="1200">
           <a:solidFill>
             <a:schemeClr val="tx1"/>
           </a:solidFill>
@@ -6993,8 +7087,8 @@
       <a:defPPr>
         <a:defRPr lang="en-US"/>
       </a:defPPr>
-      <a:lvl1pPr marL="0" algn="l" defTabSz="877458" rtl="0" eaLnBrk="1" latinLnBrk="0" hangingPunct="1">
-        <a:defRPr sz="1727" kern="1200">
+      <a:lvl1pPr marL="0" algn="l" defTabSz="935980" rtl="0" eaLnBrk="1" latinLnBrk="0" hangingPunct="1">
+        <a:defRPr sz="1842" kern="1200">
           <a:solidFill>
             <a:schemeClr val="tx1"/>
           </a:solidFill>
@@ -7003,8 +7097,8 @@
           <a:cs typeface="+mn-cs"/>
         </a:defRPr>
       </a:lvl1pPr>
-      <a:lvl2pPr marL="438729" algn="l" defTabSz="877458" rtl="0" eaLnBrk="1" latinLnBrk="0" hangingPunct="1">
-        <a:defRPr sz="1727" kern="1200">
+      <a:lvl2pPr marL="467990" algn="l" defTabSz="935980" rtl="0" eaLnBrk="1" latinLnBrk="0" hangingPunct="1">
+        <a:defRPr sz="1842" kern="1200">
           <a:solidFill>
             <a:schemeClr val="tx1"/>
           </a:solidFill>
@@ -7013,8 +7107,8 @@
           <a:cs typeface="+mn-cs"/>
         </a:defRPr>
       </a:lvl2pPr>
-      <a:lvl3pPr marL="877458" algn="l" defTabSz="877458" rtl="0" eaLnBrk="1" latinLnBrk="0" hangingPunct="1">
-        <a:defRPr sz="1727" kern="1200">
+      <a:lvl3pPr marL="935980" algn="l" defTabSz="935980" rtl="0" eaLnBrk="1" latinLnBrk="0" hangingPunct="1">
+        <a:defRPr sz="1842" kern="1200">
           <a:solidFill>
             <a:schemeClr val="tx1"/>
           </a:solidFill>
@@ -7023,8 +7117,8 @@
           <a:cs typeface="+mn-cs"/>
         </a:defRPr>
       </a:lvl3pPr>
-      <a:lvl4pPr marL="1316187" algn="l" defTabSz="877458" rtl="0" eaLnBrk="1" latinLnBrk="0" hangingPunct="1">
-        <a:defRPr sz="1727" kern="1200">
+      <a:lvl4pPr marL="1403970" algn="l" defTabSz="935980" rtl="0" eaLnBrk="1" latinLnBrk="0" hangingPunct="1">
+        <a:defRPr sz="1842" kern="1200">
           <a:solidFill>
             <a:schemeClr val="tx1"/>
           </a:solidFill>
@@ -7033,8 +7127,8 @@
           <a:cs typeface="+mn-cs"/>
         </a:defRPr>
       </a:lvl4pPr>
-      <a:lvl5pPr marL="1754916" algn="l" defTabSz="877458" rtl="0" eaLnBrk="1" latinLnBrk="0" hangingPunct="1">
-        <a:defRPr sz="1727" kern="1200">
+      <a:lvl5pPr marL="1871960" algn="l" defTabSz="935980" rtl="0" eaLnBrk="1" latinLnBrk="0" hangingPunct="1">
+        <a:defRPr sz="1842" kern="1200">
           <a:solidFill>
             <a:schemeClr val="tx1"/>
           </a:solidFill>
@@ -7043,8 +7137,8 @@
           <a:cs typeface="+mn-cs"/>
         </a:defRPr>
       </a:lvl5pPr>
-      <a:lvl6pPr marL="2193646" algn="l" defTabSz="877458" rtl="0" eaLnBrk="1" latinLnBrk="0" hangingPunct="1">
-        <a:defRPr sz="1727" kern="1200">
+      <a:lvl6pPr marL="2339950" algn="l" defTabSz="935980" rtl="0" eaLnBrk="1" latinLnBrk="0" hangingPunct="1">
+        <a:defRPr sz="1842" kern="1200">
           <a:solidFill>
             <a:schemeClr val="tx1"/>
           </a:solidFill>
@@ -7053,8 +7147,8 @@
           <a:cs typeface="+mn-cs"/>
         </a:defRPr>
       </a:lvl6pPr>
-      <a:lvl7pPr marL="2632375" algn="l" defTabSz="877458" rtl="0" eaLnBrk="1" latinLnBrk="0" hangingPunct="1">
-        <a:defRPr sz="1727" kern="1200">
+      <a:lvl7pPr marL="2807940" algn="l" defTabSz="935980" rtl="0" eaLnBrk="1" latinLnBrk="0" hangingPunct="1">
+        <a:defRPr sz="1842" kern="1200">
           <a:solidFill>
             <a:schemeClr val="tx1"/>
           </a:solidFill>
@@ -7063,8 +7157,8 @@
           <a:cs typeface="+mn-cs"/>
         </a:defRPr>
       </a:lvl7pPr>
-      <a:lvl8pPr marL="3071104" algn="l" defTabSz="877458" rtl="0" eaLnBrk="1" latinLnBrk="0" hangingPunct="1">
-        <a:defRPr sz="1727" kern="1200">
+      <a:lvl8pPr marL="3275929" algn="l" defTabSz="935980" rtl="0" eaLnBrk="1" latinLnBrk="0" hangingPunct="1">
+        <a:defRPr sz="1842" kern="1200">
           <a:solidFill>
             <a:schemeClr val="tx1"/>
           </a:solidFill>
@@ -7073,8 +7167,8 @@
           <a:cs typeface="+mn-cs"/>
         </a:defRPr>
       </a:lvl8pPr>
-      <a:lvl9pPr marL="3509833" algn="l" defTabSz="877458" rtl="0" eaLnBrk="1" latinLnBrk="0" hangingPunct="1">
-        <a:defRPr sz="1727" kern="1200">
+      <a:lvl9pPr marL="3743919" algn="l" defTabSz="935980" rtl="0" eaLnBrk="1" latinLnBrk="0" hangingPunct="1">
+        <a:defRPr sz="1842" kern="1200">
           <a:solidFill>
             <a:schemeClr val="tx1"/>
           </a:solidFill>
@@ -7147,22 +7241,34 @@
       </p:sp>
       <p:pic>
         <p:nvPicPr>
-          <p:cNvPr id="4" name="Banner for Next-Gen Automation: Copilot Agents meet Power Automate by Luigi Villanova, Daniele Margheriti" descr="972997.jpeg"/>
+          <p:cNvPr id="6" name="Picture 5" descr="A green and white banner with text and images of men">
+            <a:extLst>
+              <a:ext uri="{FF2B5EF4-FFF2-40B4-BE49-F238E27FC236}">
+                <a16:creationId xmlns:a16="http://schemas.microsoft.com/office/drawing/2014/main" id="{6752C5B3-B99A-4C84-DD8B-C1FA06BA99D6}"/>
+              </a:ext>
+            </a:extLst>
+          </p:cNvPr>
           <p:cNvPicPr>
             <a:picLocks noChangeAspect="1"/>
           </p:cNvPicPr>
           <p:nvPr/>
         </p:nvPicPr>
         <p:blipFill>
-          <a:blip r:embed="rId3"/>
+          <a:blip r:embed="rId3">
+            <a:extLst>
+              <a:ext uri="{28A0092B-C50C-407E-A947-70E740481C1C}">
+                <a14:useLocalDpi xmlns:a14="http://schemas.microsoft.com/office/drawing/2010/main" val="0"/>
+              </a:ext>
+            </a:extLst>
+          </a:blip>
           <a:stretch>
             <a:fillRect/>
           </a:stretch>
         </p:blipFill>
         <p:spPr>
           <a:xfrm>
-            <a:off x="-1" y="-1"/>
-            <a:ext cx="11699875" cy="7036943"/>
+            <a:off x="0" y="148"/>
+            <a:ext cx="12479338" cy="7019628"/>
           </a:xfrm>
           <a:prstGeom prst="rect">
             <a:avLst/>
@@ -7228,7 +7334,7 @@
         <p:spPr/>
         <p:txBody>
           <a:bodyPr>
-            <a:normAutofit fontScale="92500"/>
+            <a:normAutofit/>
           </a:bodyPr>
           <a:lstStyle/>
           <a:p>
@@ -7702,7 +7808,7 @@
         </p:nvPicPr>
         <p:blipFill>
           <a:blip r:embed="rId3"/>
-          <a:srcRect t="413" b="413"/>
+          <a:srcRect t="3516" b="3516"/>
           <a:stretch>
             <a:fillRect/>
           </a:stretch>
@@ -8720,26 +8826,6 @@
 </file>
 
 <file path=customXml/item1.xml><?xml version="1.0" encoding="utf-8"?>
-<?mso-contentType ?>
-<FormTemplates xmlns="http://schemas.microsoft.com/sharepoint/v3/contenttype/forms">
-  <Display>DocumentLibraryForm</Display>
-  <Edit>DocumentLibraryForm</Edit>
-  <New>DocumentLibraryForm</New>
-</FormTemplates>
-</file>
-
-<file path=customXml/item2.xml><?xml version="1.0" encoding="utf-8"?>
-<p:properties xmlns:p="http://schemas.microsoft.com/office/2006/metadata/properties" xmlns:xsi="http://www.w3.org/2001/XMLSchema-instance" xmlns:pc="http://schemas.microsoft.com/office/infopath/2007/PartnerControls">
-  <documentManagement>
-    <TaxCatchAll xmlns="cef5da91-0831-42fa-860c-d84acea2b669" xsi:nil="true"/>
-    <lcf76f155ced4ddcb4097134ff3c332f xmlns="d8121912-130d-4688-8a96-8cf2c237709c">
-      <Terms xmlns="http://schemas.microsoft.com/office/infopath/2007/PartnerControls"/>
-    </lcf76f155ced4ddcb4097134ff3c332f>
-  </documentManagement>
-</p:properties>
-</file>
-
-<file path=customXml/item3.xml><?xml version="1.0" encoding="utf-8"?>
 <ct:contentTypeSchema xmlns:ct="http://schemas.microsoft.com/office/2006/metadata/contentType" xmlns:ma="http://schemas.microsoft.com/office/2006/metadata/properties/metaAttributes" ct:_="" ma:_="" ma:contentTypeName="Document" ma:contentTypeID="0x010100FD6131E5EFD16140B6B7F4892B3B1EDF" ma:contentTypeVersion="13" ma:contentTypeDescription="Create a new document." ma:contentTypeScope="" ma:versionID="145255e663cdc3e6e9cba0ee678cd235">
   <xsd:schema xmlns:xsd="http://www.w3.org/2001/XMLSchema" xmlns:xs="http://www.w3.org/2001/XMLSchema" xmlns:p="http://schemas.microsoft.com/office/2006/metadata/properties" xmlns:ns2="d8121912-130d-4688-8a96-8cf2c237709c" xmlns:ns3="cef5da91-0831-42fa-860c-d84acea2b669" targetNamespace="http://schemas.microsoft.com/office/2006/metadata/properties" ma:root="true" ma:fieldsID="871e515fac4f99d2d7b2b65d09122d2d" ns2:_="" ns3:_="">
     <xsd:import namespace="d8121912-130d-4688-8a96-8cf2c237709c"/>
@@ -8946,26 +9032,27 @@
 </ct:contentTypeSchema>
 </file>
 
-<file path=customXml/itemProps1.xml><?xml version="1.0" encoding="utf-8"?>
-<ds:datastoreItem xmlns:ds="http://schemas.openxmlformats.org/officeDocument/2006/customXml" ds:itemID="{651D6C72-E463-4065-93A5-344FB67CAA7D}">
-  <ds:schemaRefs>
-    <ds:schemaRef ds:uri="http://schemas.microsoft.com/sharepoint/v3/contenttype/forms"/>
-  </ds:schemaRefs>
-</ds:datastoreItem>
+<file path=customXml/item2.xml><?xml version="1.0" encoding="utf-8"?>
+<p:properties xmlns:p="http://schemas.microsoft.com/office/2006/metadata/properties" xmlns:xsi="http://www.w3.org/2001/XMLSchema-instance" xmlns:pc="http://schemas.microsoft.com/office/infopath/2007/PartnerControls">
+  <documentManagement>
+    <TaxCatchAll xmlns="cef5da91-0831-42fa-860c-d84acea2b669" xsi:nil="true"/>
+    <lcf76f155ced4ddcb4097134ff3c332f xmlns="d8121912-130d-4688-8a96-8cf2c237709c">
+      <Terms xmlns="http://schemas.microsoft.com/office/infopath/2007/PartnerControls"/>
+    </lcf76f155ced4ddcb4097134ff3c332f>
+  </documentManagement>
+</p:properties>
 </file>
 
-<file path=customXml/itemProps2.xml><?xml version="1.0" encoding="utf-8"?>
-<ds:datastoreItem xmlns:ds="http://schemas.openxmlformats.org/officeDocument/2006/customXml" ds:itemID="{B39940B0-918A-4AD1-BB97-753008E9C56C}">
-  <ds:schemaRefs>
-    <ds:schemaRef ds:uri="http://schemas.microsoft.com/office/2006/metadata/properties"/>
-    <ds:schemaRef ds:uri="http://schemas.microsoft.com/office/infopath/2007/PartnerControls"/>
-    <ds:schemaRef ds:uri="cef5da91-0831-42fa-860c-d84acea2b669"/>
-    <ds:schemaRef ds:uri="d8121912-130d-4688-8a96-8cf2c237709c"/>
-  </ds:schemaRefs>
-</ds:datastoreItem>
+<file path=customXml/item3.xml><?xml version="1.0" encoding="utf-8"?>
+<?mso-contentType ?>
+<FormTemplates xmlns="http://schemas.microsoft.com/sharepoint/v3/contenttype/forms">
+  <Display>DocumentLibraryForm</Display>
+  <Edit>DocumentLibraryForm</Edit>
+  <New>DocumentLibraryForm</New>
+</FormTemplates>
 </file>
 
-<file path=customXml/itemProps3.xml><?xml version="1.0" encoding="utf-8"?>
+<file path=customXml/itemProps1.xml><?xml version="1.0" encoding="utf-8"?>
 <ds:datastoreItem xmlns:ds="http://schemas.openxmlformats.org/officeDocument/2006/customXml" ds:itemID="{B7785E46-BA80-4E45-B0F6-35AA14F5C06B}">
   <ds:schemaRefs>
     <ds:schemaRef ds:uri="http://schemas.microsoft.com/office/2006/metadata/contentType"/>
@@ -8984,6 +9071,25 @@
 </ds:datastoreItem>
 </file>
 
+<file path=customXml/itemProps2.xml><?xml version="1.0" encoding="utf-8"?>
+<ds:datastoreItem xmlns:ds="http://schemas.openxmlformats.org/officeDocument/2006/customXml" ds:itemID="{B39940B0-918A-4AD1-BB97-753008E9C56C}">
+  <ds:schemaRefs>
+    <ds:schemaRef ds:uri="http://schemas.microsoft.com/office/2006/metadata/properties"/>
+    <ds:schemaRef ds:uri="http://schemas.microsoft.com/office/infopath/2007/PartnerControls"/>
+    <ds:schemaRef ds:uri="cef5da91-0831-42fa-860c-d84acea2b669"/>
+    <ds:schemaRef ds:uri="d8121912-130d-4688-8a96-8cf2c237709c"/>
+  </ds:schemaRefs>
+</ds:datastoreItem>
+</file>
+
+<file path=customXml/itemProps3.xml><?xml version="1.0" encoding="utf-8"?>
+<ds:datastoreItem xmlns:ds="http://schemas.openxmlformats.org/officeDocument/2006/customXml" ds:itemID="{651D6C72-E463-4065-93A5-344FB67CAA7D}">
+  <ds:schemaRefs>
+    <ds:schemaRef ds:uri="http://schemas.microsoft.com/sharepoint/v3/contenttype/forms"/>
+  </ds:schemaRefs>
+</ds:datastoreItem>
+</file>
+
 <file path=docMetadata/LabelInfo.xml><?xml version="1.0" encoding="utf-8"?>
 <clbl:labelList xmlns:clbl="http://schemas.microsoft.com/office/2020/mipLabelMetadata">
   <clbl:label id="{5fae8262-b78e-4366-8929-a5d6aac95320}" enabled="1" method="Standard" siteId="{cf36141c-ddd7-45a7-b073-111f66d0b30c}" contentBits="0" removed="0"/>
